--- a/1400_06_Functions.pptx
+++ b/1400_06_Functions.pptx
@@ -337,7 +337,7 @@
               <a:pPr>
                 <a:defRPr/>
               </a:pPr>
-              <a:t>10/19/2022</a:t>
+              <a:t>10/24/2022</a:t>
             </a:fld>
             <a:endParaRPr lang="en-US"/>
           </a:p>
@@ -438,6 +438,11 @@
         </p:txBody>
       </p:sp>
     </p:spTree>
+    <p:extLst>
+      <p:ext uri="{BB962C8B-B14F-4D97-AF65-F5344CB8AC3E}">
+        <p14:creationId xmlns:p14="http://schemas.microsoft.com/office/powerpoint/2010/main" val="1"/>
+      </p:ext>
+    </p:extLst>
   </p:cSld>
   <p:clrMap bg1="lt1" tx1="dk1" bg2="lt2" tx2="dk2" accent1="accent1" accent2="accent2" accent3="accent3" accent4="accent4" accent5="accent5" accent6="accent6" hlink="hlink" folHlink="folHlink"/>
 </p:handoutMaster>
@@ -555,7 +560,7 @@
               <a:pPr>
                 <a:defRPr/>
               </a:pPr>
-              <a:t>10/19/2022</a:t>
+              <a:t>10/24/2022</a:t>
             </a:fld>
             <a:endParaRPr lang="en-US"/>
           </a:p>
@@ -1072,7 +1077,7 @@
             </a:extLst>
           </p:cNvPr>
           <p:cNvSpPr>
-            <a:spLocks noChangeArrowheads="1" noTextEdit="1"/>
+            <a:spLocks noGrp="1" noRot="1" noChangeAspect="1" noChangeArrowheads="1" noTextEdit="1"/>
           </p:cNvSpPr>
           <p:nvPr>
             <p:ph type="sldImg"/>
@@ -1346,7 +1351,7 @@
             </a:extLst>
           </p:cNvPr>
           <p:cNvSpPr>
-            <a:spLocks noChangeArrowheads="1" noTextEdit="1"/>
+            <a:spLocks noGrp="1" noRot="1" noChangeAspect="1" noChangeArrowheads="1" noTextEdit="1"/>
           </p:cNvSpPr>
           <p:nvPr>
             <p:ph type="sldImg"/>
@@ -1620,7 +1625,7 @@
             </a:extLst>
           </p:cNvPr>
           <p:cNvSpPr>
-            <a:spLocks noChangeArrowheads="1" noTextEdit="1"/>
+            <a:spLocks noGrp="1" noRot="1" noChangeAspect="1" noChangeArrowheads="1" noTextEdit="1"/>
           </p:cNvSpPr>
           <p:nvPr>
             <p:ph type="sldImg"/>
@@ -1894,7 +1899,7 @@
             </a:extLst>
           </p:cNvPr>
           <p:cNvSpPr>
-            <a:spLocks noChangeArrowheads="1" noTextEdit="1"/>
+            <a:spLocks noGrp="1" noRot="1" noChangeAspect="1" noChangeArrowheads="1" noTextEdit="1"/>
           </p:cNvSpPr>
           <p:nvPr>
             <p:ph type="sldImg"/>
@@ -2168,7 +2173,7 @@
             </a:extLst>
           </p:cNvPr>
           <p:cNvSpPr>
-            <a:spLocks noChangeArrowheads="1" noTextEdit="1"/>
+            <a:spLocks noGrp="1" noRot="1" noChangeAspect="1" noChangeArrowheads="1" noTextEdit="1"/>
           </p:cNvSpPr>
           <p:nvPr>
             <p:ph type="sldImg"/>
@@ -2442,7 +2447,7 @@
             </a:extLst>
           </p:cNvPr>
           <p:cNvSpPr>
-            <a:spLocks noChangeArrowheads="1" noTextEdit="1"/>
+            <a:spLocks noGrp="1" noRot="1" noChangeAspect="1" noChangeArrowheads="1" noTextEdit="1"/>
           </p:cNvSpPr>
           <p:nvPr>
             <p:ph type="sldImg"/>
@@ -2716,7 +2721,7 @@
             </a:extLst>
           </p:cNvPr>
           <p:cNvSpPr>
-            <a:spLocks noChangeArrowheads="1" noTextEdit="1"/>
+            <a:spLocks noGrp="1" noRot="1" noChangeAspect="1" noChangeArrowheads="1" noTextEdit="1"/>
           </p:cNvSpPr>
           <p:nvPr>
             <p:ph type="sldImg"/>
@@ -2990,7 +2995,7 @@
             </a:extLst>
           </p:cNvPr>
           <p:cNvSpPr>
-            <a:spLocks noChangeArrowheads="1" noTextEdit="1"/>
+            <a:spLocks noGrp="1" noRot="1" noChangeAspect="1" noChangeArrowheads="1" noTextEdit="1"/>
           </p:cNvSpPr>
           <p:nvPr>
             <p:ph type="sldImg"/>
@@ -3538,7 +3543,7 @@
             </a:extLst>
           </p:cNvPr>
           <p:cNvSpPr>
-            <a:spLocks noChangeArrowheads="1" noTextEdit="1"/>
+            <a:spLocks noGrp="1" noRot="1" noChangeAspect="1" noChangeArrowheads="1" noTextEdit="1"/>
           </p:cNvSpPr>
           <p:nvPr>
             <p:ph type="sldImg"/>
@@ -3812,7 +3817,7 @@
             </a:extLst>
           </p:cNvPr>
           <p:cNvSpPr>
-            <a:spLocks noChangeArrowheads="1" noTextEdit="1"/>
+            <a:spLocks noGrp="1" noRot="1" noChangeAspect="1" noChangeArrowheads="1" noTextEdit="1"/>
           </p:cNvSpPr>
           <p:nvPr>
             <p:ph type="sldImg"/>
@@ -4086,7 +4091,7 @@
             </a:extLst>
           </p:cNvPr>
           <p:cNvSpPr>
-            <a:spLocks noChangeArrowheads="1" noTextEdit="1"/>
+            <a:spLocks noGrp="1" noRot="1" noChangeAspect="1" noChangeArrowheads="1" noTextEdit="1"/>
           </p:cNvSpPr>
           <p:nvPr>
             <p:ph type="sldImg"/>
@@ -4360,7 +4365,7 @@
             </a:extLst>
           </p:cNvPr>
           <p:cNvSpPr>
-            <a:spLocks noChangeArrowheads="1" noTextEdit="1"/>
+            <a:spLocks noGrp="1" noRot="1" noChangeAspect="1" noChangeArrowheads="1" noTextEdit="1"/>
           </p:cNvSpPr>
           <p:nvPr>
             <p:ph type="sldImg"/>
@@ -4634,7 +4639,7 @@
             </a:extLst>
           </p:cNvPr>
           <p:cNvSpPr>
-            <a:spLocks noChangeArrowheads="1" noTextEdit="1"/>
+            <a:spLocks noGrp="1" noRot="1" noChangeAspect="1" noChangeArrowheads="1" noTextEdit="1"/>
           </p:cNvSpPr>
           <p:nvPr>
             <p:ph type="sldImg"/>
@@ -4908,7 +4913,7 @@
             </a:extLst>
           </p:cNvPr>
           <p:cNvSpPr>
-            <a:spLocks noChangeArrowheads="1" noTextEdit="1"/>
+            <a:spLocks noGrp="1" noRot="1" noChangeAspect="1" noChangeArrowheads="1" noTextEdit="1"/>
           </p:cNvSpPr>
           <p:nvPr>
             <p:ph type="sldImg"/>
@@ -5182,7 +5187,7 @@
             </a:extLst>
           </p:cNvPr>
           <p:cNvSpPr>
-            <a:spLocks noChangeArrowheads="1" noTextEdit="1"/>
+            <a:spLocks noGrp="1" noRot="1" noChangeAspect="1" noChangeArrowheads="1" noTextEdit="1"/>
           </p:cNvSpPr>
           <p:nvPr>
             <p:ph type="sldImg"/>
@@ -5456,7 +5461,7 @@
             </a:extLst>
           </p:cNvPr>
           <p:cNvSpPr>
-            <a:spLocks noChangeArrowheads="1" noTextEdit="1"/>
+            <a:spLocks noGrp="1" noRot="1" noChangeAspect="1" noChangeArrowheads="1" noTextEdit="1"/>
           </p:cNvSpPr>
           <p:nvPr>
             <p:ph type="sldImg"/>
@@ -5730,7 +5735,7 @@
             </a:extLst>
           </p:cNvPr>
           <p:cNvSpPr>
-            <a:spLocks noChangeArrowheads="1" noTextEdit="1"/>
+            <a:spLocks noGrp="1" noRot="1" noChangeAspect="1" noChangeArrowheads="1" noTextEdit="1"/>
           </p:cNvSpPr>
           <p:nvPr>
             <p:ph type="sldImg"/>
@@ -6004,7 +6009,7 @@
             </a:extLst>
           </p:cNvPr>
           <p:cNvSpPr>
-            <a:spLocks noChangeArrowheads="1" noTextEdit="1"/>
+            <a:spLocks noGrp="1" noRot="1" noChangeAspect="1" noChangeArrowheads="1" noTextEdit="1"/>
           </p:cNvSpPr>
           <p:nvPr>
             <p:ph type="sldImg"/>
@@ -6278,7 +6283,7 @@
             </a:extLst>
           </p:cNvPr>
           <p:cNvSpPr>
-            <a:spLocks noChangeArrowheads="1" noTextEdit="1"/>
+            <a:spLocks noGrp="1" noRot="1" noChangeAspect="1" noChangeArrowheads="1" noTextEdit="1"/>
           </p:cNvSpPr>
           <p:nvPr>
             <p:ph type="sldImg"/>
@@ -6552,7 +6557,7 @@
             </a:extLst>
           </p:cNvPr>
           <p:cNvSpPr>
-            <a:spLocks noChangeArrowheads="1" noTextEdit="1"/>
+            <a:spLocks noGrp="1" noRot="1" noChangeAspect="1" noChangeArrowheads="1" noTextEdit="1"/>
           </p:cNvSpPr>
           <p:nvPr>
             <p:ph type="sldImg"/>
@@ -6826,7 +6831,7 @@
             </a:extLst>
           </p:cNvPr>
           <p:cNvSpPr>
-            <a:spLocks noChangeArrowheads="1" noTextEdit="1"/>
+            <a:spLocks noGrp="1" noRot="1" noChangeAspect="1" noChangeArrowheads="1" noTextEdit="1"/>
           </p:cNvSpPr>
           <p:nvPr>
             <p:ph type="sldImg"/>
@@ -7100,7 +7105,7 @@
             </a:extLst>
           </p:cNvPr>
           <p:cNvSpPr>
-            <a:spLocks noChangeArrowheads="1" noTextEdit="1"/>
+            <a:spLocks noGrp="1" noRot="1" noChangeAspect="1" noChangeArrowheads="1" noTextEdit="1"/>
           </p:cNvSpPr>
           <p:nvPr>
             <p:ph type="sldImg"/>
@@ -7374,7 +7379,7 @@
             </a:extLst>
           </p:cNvPr>
           <p:cNvSpPr>
-            <a:spLocks noChangeArrowheads="1" noTextEdit="1"/>
+            <a:spLocks noGrp="1" noRot="1" noChangeAspect="1" noChangeArrowheads="1" noTextEdit="1"/>
           </p:cNvSpPr>
           <p:nvPr>
             <p:ph type="sldImg"/>
@@ -7648,7 +7653,7 @@
             </a:extLst>
           </p:cNvPr>
           <p:cNvSpPr>
-            <a:spLocks noChangeArrowheads="1" noTextEdit="1"/>
+            <a:spLocks noGrp="1" noRot="1" noChangeAspect="1" noChangeArrowheads="1" noTextEdit="1"/>
           </p:cNvSpPr>
           <p:nvPr>
             <p:ph type="sldImg"/>
@@ -7922,7 +7927,7 @@
             </a:extLst>
           </p:cNvPr>
           <p:cNvSpPr>
-            <a:spLocks noChangeArrowheads="1" noTextEdit="1"/>
+            <a:spLocks noGrp="1" noRot="1" noChangeAspect="1" noChangeArrowheads="1" noTextEdit="1"/>
           </p:cNvSpPr>
           <p:nvPr>
             <p:ph type="sldImg"/>
@@ -8196,7 +8201,7 @@
             </a:extLst>
           </p:cNvPr>
           <p:cNvSpPr>
-            <a:spLocks noChangeArrowheads="1" noTextEdit="1"/>
+            <a:spLocks noGrp="1" noRot="1" noChangeAspect="1" noChangeArrowheads="1" noTextEdit="1"/>
           </p:cNvSpPr>
           <p:nvPr>
             <p:ph type="sldImg"/>
@@ -8470,7 +8475,7 @@
             </a:extLst>
           </p:cNvPr>
           <p:cNvSpPr>
-            <a:spLocks noChangeArrowheads="1" noTextEdit="1"/>
+            <a:spLocks noGrp="1" noRot="1" noChangeAspect="1" noChangeArrowheads="1" noTextEdit="1"/>
           </p:cNvSpPr>
           <p:nvPr>
             <p:ph type="sldImg"/>
@@ -8744,7 +8749,7 @@
             </a:extLst>
           </p:cNvPr>
           <p:cNvSpPr>
-            <a:spLocks noChangeArrowheads="1" noTextEdit="1"/>
+            <a:spLocks noGrp="1" noRot="1" noChangeAspect="1" noChangeArrowheads="1" noTextEdit="1"/>
           </p:cNvSpPr>
           <p:nvPr>
             <p:ph type="sldImg"/>
@@ -9024,7 +9029,7 @@
           <a:p>
             <a:fld id="{96DFF08F-DC6B-4601-B491-B0F83F6DD2DA}" type="datetimeFigureOut">
               <a:rPr lang="en-US" smtClean="0"/>
-              <a:t>10/19/2022</a:t>
+              <a:t>10/24/2022</a:t>
             </a:fld>
             <a:endParaRPr lang="en-US" dirty="0"/>
           </a:p>
@@ -9276,7 +9281,7 @@
           <a:p>
             <a:fld id="{96DFF08F-DC6B-4601-B491-B0F83F6DD2DA}" type="datetimeFigureOut">
               <a:rPr lang="en-US" smtClean="0"/>
-              <a:t>10/19/2022</a:t>
+              <a:t>10/24/2022</a:t>
             </a:fld>
             <a:endParaRPr lang="en-US" dirty="0"/>
           </a:p>
@@ -9540,7 +9545,7 @@
           <a:p>
             <a:fld id="{96DFF08F-DC6B-4601-B491-B0F83F6DD2DA}" type="datetimeFigureOut">
               <a:rPr lang="en-US" smtClean="0"/>
-              <a:t>10/19/2022</a:t>
+              <a:t>10/24/2022</a:t>
             </a:fld>
             <a:endParaRPr lang="en-US" dirty="0"/>
           </a:p>
@@ -9715,7 +9720,7 @@
           <a:p>
             <a:fld id="{A3E28D29-1ECB-41DF-951B-2A23F95AD026}" type="datetimeFigureOut">
               <a:rPr lang="en-US" smtClean="0"/>
-              <a:t>10/19/2022</a:t>
+              <a:t>10/24/2022</a:t>
             </a:fld>
             <a:endParaRPr lang="en-US" dirty="0"/>
           </a:p>
@@ -10020,7 +10025,7 @@
           <a:p>
             <a:fld id="{96DFF08F-DC6B-4601-B491-B0F83F6DD2DA}" type="datetimeFigureOut">
               <a:rPr lang="en-US" smtClean="0"/>
-              <a:t>10/19/2022</a:t>
+              <a:t>10/24/2022</a:t>
             </a:fld>
             <a:endParaRPr lang="en-US" dirty="0"/>
           </a:p>
@@ -10339,7 +10344,7 @@
           <a:p>
             <a:fld id="{96DFF08F-DC6B-4601-B491-B0F83F6DD2DA}" type="datetimeFigureOut">
               <a:rPr lang="en-US" smtClean="0"/>
-              <a:t>10/19/2022</a:t>
+              <a:t>10/24/2022</a:t>
             </a:fld>
             <a:endParaRPr lang="en-US" dirty="0"/>
           </a:p>
@@ -10724,7 +10729,7 @@
           <a:p>
             <a:fld id="{96DFF08F-DC6B-4601-B491-B0F83F6DD2DA}" type="datetimeFigureOut">
               <a:rPr lang="en-US" smtClean="0"/>
-              <a:t>10/19/2022</a:t>
+              <a:t>10/24/2022</a:t>
             </a:fld>
             <a:endParaRPr lang="en-US" dirty="0"/>
           </a:p>
@@ -10848,7 +10853,7 @@
           <a:p>
             <a:fld id="{96DFF08F-DC6B-4601-B491-B0F83F6DD2DA}" type="datetimeFigureOut">
               <a:rPr lang="en-US" smtClean="0"/>
-              <a:t>10/19/2022</a:t>
+              <a:t>10/24/2022</a:t>
             </a:fld>
             <a:endParaRPr lang="en-US" dirty="0"/>
           </a:p>
@@ -11028,7 +11033,7 @@
             <a:fld id="{96DFF08F-DC6B-4601-B491-B0F83F6DD2DA}" type="datetimeFigureOut">
               <a:rPr lang="en-US" smtClean="0"/>
               <a:pPr/>
-              <a:t>10/19/2022</a:t>
+              <a:t>10/24/2022</a:t>
             </a:fld>
             <a:endParaRPr lang="en-US" dirty="0"/>
           </a:p>
@@ -11391,7 +11396,7 @@
             <a:fld id="{96DFF08F-DC6B-4601-B491-B0F83F6DD2DA}" type="datetimeFigureOut">
               <a:rPr lang="en-US" smtClean="0"/>
               <a:pPr/>
-              <a:t>10/19/2022</a:t>
+              <a:t>10/24/2022</a:t>
             </a:fld>
             <a:endParaRPr lang="en-US" dirty="0"/>
           </a:p>
@@ -11776,7 +11781,7 @@
           <a:p>
             <a:fld id="{96DFF08F-DC6B-4601-B491-B0F83F6DD2DA}" type="datetimeFigureOut">
               <a:rPr lang="en-US" smtClean="0"/>
-              <a:t>10/19/2022</a:t>
+              <a:t>10/24/2022</a:t>
             </a:fld>
             <a:endParaRPr lang="en-US" dirty="0"/>
           </a:p>
@@ -12072,7 +12077,7 @@
             <a:fld id="{96DFF08F-DC6B-4601-B491-B0F83F6DD2DA}" type="datetimeFigureOut">
               <a:rPr lang="en-US" smtClean="0"/>
               <a:pPr/>
-              <a:t>10/19/2022</a:t>
+              <a:t>10/24/2022</a:t>
             </a:fld>
             <a:endParaRPr lang="en-US" dirty="0"/>
           </a:p>
@@ -14999,7 +15004,57 @@
         </p:nvSpPr>
         <p:spPr>
           <a:xfrm>
-            <a:off x="7315200" y="5869094"/>
+            <a:off x="5334000" y="5869094"/>
+            <a:ext cx="3581400" cy="304800"/>
+          </a:xfrm>
+          <a:prstGeom prst="snip2DiagRect">
+            <a:avLst>
+              <a:gd name="adj1" fmla="val 0"/>
+              <a:gd name="adj2" fmla="val 50000"/>
+            </a:avLst>
+          </a:prstGeom>
+        </p:spPr>
+        <p:style>
+          <a:lnRef idx="1">
+            <a:schemeClr val="accent2"/>
+          </a:lnRef>
+          <a:fillRef idx="2">
+            <a:schemeClr val="accent2"/>
+          </a:fillRef>
+          <a:effectRef idx="1">
+            <a:schemeClr val="accent2"/>
+          </a:effectRef>
+          <a:fontRef idx="minor">
+            <a:schemeClr val="dk1"/>
+          </a:fontRef>
+        </p:style>
+        <p:txBody>
+          <a:bodyPr rtlCol="0" anchor="ctr"/>
+          <a:lstStyle/>
+          <a:p>
+            <a:pPr algn="ctr"/>
+            <a:r>
+              <a:rPr lang="en-US" sz="1000" dirty="0"/>
+              <a:t>Write a program that uses the quadratic function to solve a quadratic equation. Have the user input coefficients.</a:t>
+            </a:r>
+          </a:p>
+        </p:txBody>
+      </p:sp>
+      <p:sp>
+        <p:nvSpPr>
+          <p:cNvPr id="3" name="Rectangle: Diagonal Corners Snipped 2">
+            <a:extLst>
+              <a:ext uri="{FF2B5EF4-FFF2-40B4-BE49-F238E27FC236}">
+                <a16:creationId xmlns:a16="http://schemas.microsoft.com/office/drawing/2014/main" id="{1EA7EEF3-0F8D-CEDB-E12F-D8F3A9AE28FB}"/>
+              </a:ext>
+            </a:extLst>
+          </p:cNvPr>
+          <p:cNvSpPr/>
+          <p:nvPr/>
+        </p:nvSpPr>
+        <p:spPr>
+          <a:xfrm>
+            <a:off x="7308850" y="5455921"/>
             <a:ext cx="1600200" cy="304800"/>
           </a:xfrm>
           <a:prstGeom prst="snip2DiagRect">
@@ -15194,33 +15249,25 @@
           <a:bodyPr/>
           <a:lstStyle/>
           <a:p>
-            <a:pPr>
-              <a:buFontTx/>
-              <a:buChar char="•"/>
-            </a:pPr>
-            <a:r>
-              <a:rPr lang="en-US" altLang="en-US" u="sng"/>
+            <a:r>
+              <a:rPr lang="en-US" altLang="en-US" u="sng" dirty="0"/>
               <a:t>Pass by value</a:t>
             </a:r>
             <a:r>
-              <a:rPr lang="en-US" altLang="en-US"/>
+              <a:rPr lang="en-US" altLang="en-US" dirty="0"/>
               <a:t>: when an argument is passed to a function, its value is copied into the parameter.  </a:t>
             </a:r>
             <a:br>
-              <a:rPr lang="en-US" altLang="en-US"/>
+              <a:rPr lang="en-US" altLang="en-US" dirty="0"/>
             </a:br>
-            <a:endParaRPr lang="en-US" altLang="en-US"/>
-          </a:p>
-          <a:p>
-            <a:pPr>
-              <a:buFontTx/>
-              <a:buChar char="•"/>
-            </a:pPr>
-            <a:r>
-              <a:rPr lang="en-US" altLang="en-US"/>
+            <a:endParaRPr lang="en-US" altLang="en-US" dirty="0"/>
+          </a:p>
+          <a:p>
+            <a:r>
+              <a:rPr lang="en-US" altLang="en-US" dirty="0"/>
               <a:t>Changes to the parameter in the function do not affect the value of the argument </a:t>
             </a:r>
-            <a:endParaRPr lang="en-US" altLang="en-US" u="sng"/>
+            <a:endParaRPr lang="en-US" altLang="en-US" u="sng" dirty="0"/>
           </a:p>
         </p:txBody>
       </p:sp>
@@ -15299,107 +15346,107 @@
           <a:bodyPr/>
           <a:lstStyle/>
           <a:p>
-            <a:pPr>
-              <a:lnSpc>
-                <a:spcPct val="90000"/>
-              </a:lnSpc>
-              <a:buFontTx/>
-              <a:buChar char="•"/>
-            </a:pPr>
-            <a:r>
-              <a:rPr lang="en-US" altLang="en-US"/>
+            <a:r>
+              <a:rPr lang="en-US" altLang="en-US" dirty="0"/>
               <a:t>Example:  </a:t>
             </a:r>
             <a:r>
-              <a:rPr lang="en-US" altLang="en-US">
+              <a:rPr lang="en-US" altLang="en-US" dirty="0">
                 <a:latin typeface="Courier New" panose="02070309020205020404" pitchFamily="49" charset="0"/>
               </a:rPr>
-              <a:t>int val=5;</a:t>
-            </a:r>
-          </a:p>
-          <a:p>
-            <a:pPr lvl="1">
-              <a:lnSpc>
-                <a:spcPct val="90000"/>
-              </a:lnSpc>
-              <a:buFontTx/>
+              <a:t>int </a:t>
+            </a:r>
+            <a:r>
+              <a:rPr lang="en-US" altLang="en-US" dirty="0" err="1">
+                <a:latin typeface="Courier New" panose="02070309020205020404" pitchFamily="49" charset="0"/>
+              </a:rPr>
+              <a:t>val</a:t>
+            </a:r>
+            <a:r>
+              <a:rPr lang="en-US" altLang="en-US" dirty="0">
+                <a:latin typeface="Courier New" panose="02070309020205020404" pitchFamily="49" charset="0"/>
+              </a:rPr>
+              <a:t>=5;</a:t>
+            </a:r>
+          </a:p>
+          <a:p>
+            <a:pPr marL="201168" lvl="1" indent="0">
               <a:buNone/>
             </a:pPr>
             <a:r>
-              <a:rPr lang="en-US" altLang="en-US">
+              <a:rPr lang="en-US" altLang="en-US" dirty="0">
                 <a:latin typeface="Courier New" panose="02070309020205020404" pitchFamily="49" charset="0"/>
               </a:rPr>
-              <a:t>			  evenOrOdd(val);</a:t>
-            </a:r>
-            <a:endParaRPr lang="en-US" altLang="en-US"/>
-          </a:p>
-          <a:p>
-            <a:pPr>
-              <a:lnSpc>
-                <a:spcPct val="90000"/>
-              </a:lnSpc>
-              <a:buFont typeface="Times" panose="02020603050405020304" pitchFamily="18" charset="0"/>
-              <a:buNone/>
-            </a:pPr>
-            <a:endParaRPr lang="en-US" altLang="en-US"/>
-          </a:p>
-          <a:p>
-            <a:pPr>
-              <a:lnSpc>
-                <a:spcPct val="90000"/>
-              </a:lnSpc>
-              <a:buFont typeface="Times" panose="02020603050405020304" pitchFamily="18" charset="0"/>
-              <a:buNone/>
-            </a:pPr>
-            <a:endParaRPr lang="en-US" altLang="en-US"/>
-          </a:p>
-          <a:p>
-            <a:pPr>
-              <a:lnSpc>
-                <a:spcPct val="90000"/>
-              </a:lnSpc>
-              <a:buFont typeface="Times" panose="02020603050405020304" pitchFamily="18" charset="0"/>
-              <a:buNone/>
-            </a:pPr>
-            <a:br>
-              <a:rPr lang="en-US" altLang="en-US"/>
-            </a:br>
-            <a:endParaRPr lang="en-US" altLang="en-US"/>
-          </a:p>
-          <a:p>
-            <a:pPr>
-              <a:lnSpc>
-                <a:spcPct val="90000"/>
-              </a:lnSpc>
-              <a:buFontTx/>
-              <a:buChar char="•"/>
-            </a:pPr>
-            <a:r>
-              <a:rPr lang="en-US" altLang="en-US">
+              <a:t>			  </a:t>
+            </a:r>
+            <a:r>
+              <a:rPr lang="en-US" altLang="en-US" dirty="0" err="1">
                 <a:latin typeface="Courier New" panose="02070309020205020404" pitchFamily="49" charset="0"/>
               </a:rPr>
               <a:t>evenOrOdd</a:t>
             </a:r>
             <a:r>
-              <a:rPr lang="en-US" altLang="en-US"/>
+              <a:rPr lang="en-US" altLang="en-US" dirty="0">
+                <a:latin typeface="Courier New" panose="02070309020205020404" pitchFamily="49" charset="0"/>
+              </a:rPr>
+              <a:t>(</a:t>
+            </a:r>
+            <a:r>
+              <a:rPr lang="en-US" altLang="en-US" dirty="0" err="1">
+                <a:latin typeface="Courier New" panose="02070309020205020404" pitchFamily="49" charset="0"/>
+              </a:rPr>
+              <a:t>val</a:t>
+            </a:r>
+            <a:r>
+              <a:rPr lang="en-US" altLang="en-US" dirty="0">
+                <a:latin typeface="Courier New" panose="02070309020205020404" pitchFamily="49" charset="0"/>
+              </a:rPr>
+              <a:t>);</a:t>
+            </a:r>
+            <a:endParaRPr lang="en-US" altLang="en-US" dirty="0"/>
+          </a:p>
+          <a:p>
+            <a:endParaRPr lang="en-US" altLang="en-US" dirty="0"/>
+          </a:p>
+          <a:p>
+            <a:endParaRPr lang="en-US" altLang="en-US" dirty="0"/>
+          </a:p>
+          <a:p>
+            <a:br>
+              <a:rPr lang="en-US" altLang="en-US" dirty="0"/>
+            </a:br>
+            <a:endParaRPr lang="en-US" altLang="en-US" dirty="0"/>
+          </a:p>
+          <a:p>
+            <a:r>
+              <a:rPr lang="en-US" altLang="en-US" dirty="0" err="1">
+                <a:latin typeface="Courier New" panose="02070309020205020404" pitchFamily="49" charset="0"/>
+              </a:rPr>
+              <a:t>evenOrOdd</a:t>
+            </a:r>
+            <a:r>
+              <a:rPr lang="en-US" altLang="en-US" dirty="0"/>
               <a:t> can change variable </a:t>
             </a:r>
             <a:r>
-              <a:rPr lang="en-US" altLang="en-US">
+              <a:rPr lang="en-US" altLang="en-US" dirty="0">
                 <a:latin typeface="Courier New" panose="02070309020205020404" pitchFamily="49" charset="0"/>
               </a:rPr>
               <a:t>num</a:t>
             </a:r>
             <a:r>
-              <a:rPr lang="en-US" altLang="en-US"/>
+              <a:rPr lang="en-US" altLang="en-US" dirty="0"/>
               <a:t>, but it will have no effect on variable </a:t>
             </a:r>
             <a:r>
-              <a:rPr lang="en-US" altLang="en-US">
+              <a:rPr lang="en-US" altLang="en-US" dirty="0" err="1">
                 <a:latin typeface="Courier New" panose="02070309020205020404" pitchFamily="49" charset="0"/>
               </a:rPr>
               <a:t>val</a:t>
             </a:r>
+            <a:endParaRPr lang="en-US" altLang="en-US" dirty="0">
+              <a:latin typeface="Courier New" panose="02070309020205020404" pitchFamily="49" charset="0"/>
+            </a:endParaRPr>
           </a:p>
         </p:txBody>
       </p:sp>
@@ -16663,6 +16710,56 @@
           </p:txBody>
         </p:sp>
       </p:grpSp>
+      <p:sp>
+        <p:nvSpPr>
+          <p:cNvPr id="2" name="Rectangle: Diagonal Corners Snipped 1">
+            <a:extLst>
+              <a:ext uri="{FF2B5EF4-FFF2-40B4-BE49-F238E27FC236}">
+                <a16:creationId xmlns:a16="http://schemas.microsoft.com/office/drawing/2014/main" id="{5268A3CB-B46A-E760-BA90-B5A09517E837}"/>
+              </a:ext>
+            </a:extLst>
+          </p:cNvPr>
+          <p:cNvSpPr/>
+          <p:nvPr/>
+        </p:nvSpPr>
+        <p:spPr>
+          <a:xfrm>
+            <a:off x="7315200" y="5869094"/>
+            <a:ext cx="1600200" cy="304800"/>
+          </a:xfrm>
+          <a:prstGeom prst="snip2DiagRect">
+            <a:avLst>
+              <a:gd name="adj1" fmla="val 0"/>
+              <a:gd name="adj2" fmla="val 50000"/>
+            </a:avLst>
+          </a:prstGeom>
+        </p:spPr>
+        <p:style>
+          <a:lnRef idx="1">
+            <a:schemeClr val="accent1"/>
+          </a:lnRef>
+          <a:fillRef idx="2">
+            <a:schemeClr val="accent1"/>
+          </a:fillRef>
+          <a:effectRef idx="1">
+            <a:schemeClr val="accent1"/>
+          </a:effectRef>
+          <a:fontRef idx="minor">
+            <a:schemeClr val="dk1"/>
+          </a:fontRef>
+        </p:style>
+        <p:txBody>
+          <a:bodyPr rtlCol="0" anchor="ctr"/>
+          <a:lstStyle/>
+          <a:p>
+            <a:pPr algn="ctr"/>
+            <a:r>
+              <a:rPr lang="en-US" sz="1000" dirty="0"/>
+              <a:t>Pr6-9.cpp</a:t>
+            </a:r>
+          </a:p>
+        </p:txBody>
+      </p:sp>
     </p:spTree>
   </p:cSld>
   <p:clrMapOvr>
@@ -16836,59 +16933,130 @@
           <a:bodyPr/>
           <a:lstStyle/>
           <a:p>
-            <a:pPr>
-              <a:buFontTx/>
-              <a:buChar char="•"/>
-            </a:pPr>
-            <a:r>
-              <a:rPr lang="en-US" altLang="en-US"/>
+            <a:r>
+              <a:rPr lang="en-US" altLang="en-US" dirty="0"/>
               <a:t>Functions can be used </a:t>
             </a:r>
           </a:p>
           <a:p>
             <a:pPr lvl="1"/>
             <a:r>
-              <a:rPr lang="en-US" altLang="en-US"/>
+              <a:rPr lang="en-US" altLang="en-US" dirty="0"/>
               <a:t>to implement user choices from menu</a:t>
             </a:r>
           </a:p>
           <a:p>
             <a:pPr lvl="1"/>
             <a:r>
-              <a:rPr lang="en-US" altLang="en-US"/>
+              <a:rPr lang="en-US" altLang="en-US" dirty="0"/>
               <a:t>to implement general-purpose tasks:</a:t>
             </a:r>
           </a:p>
           <a:p>
-            <a:pPr lvl="2">
-              <a:buFontTx/>
-              <a:buChar char="•"/>
-            </a:pPr>
-            <a:r>
-              <a:rPr lang="en-US" altLang="en-US" sz="2600"/>
-              <a:t>Higher-level  functions can call general-purpose functions, minimizing the total number of functions</a:t>
-            </a:r>
-            <a:r>
-              <a:rPr lang="en-US" altLang="en-US"/>
-              <a:t> </a:t>
-            </a:r>
-            <a:r>
-              <a:rPr lang="en-US" altLang="en-US" sz="2600"/>
-              <a:t>and speeding program development time</a:t>
-            </a:r>
-          </a:p>
-          <a:p>
-            <a:pPr>
-              <a:buFontTx/>
-              <a:buChar char="•"/>
-            </a:pPr>
-            <a:r>
-              <a:rPr lang="en-US" altLang="en-US" sz="3500" i="1">
-                <a:solidFill>
-                  <a:srgbClr val="FA8218"/>
-                </a:solidFill>
-              </a:rPr>
-              <a:t>See Program 6-10 in the book</a:t>
+            <a:pPr lvl="2"/>
+            <a:r>
+              <a:rPr lang="en-US" altLang="en-US" sz="1800" dirty="0"/>
+              <a:t>Higher-level  functions can call general-purpose functions, minimizing the total number of functions and speeding program development time</a:t>
+            </a:r>
+          </a:p>
+        </p:txBody>
+      </p:sp>
+      <p:sp>
+        <p:nvSpPr>
+          <p:cNvPr id="2" name="Rectangle: Diagonal Corners Snipped 1">
+            <a:extLst>
+              <a:ext uri="{FF2B5EF4-FFF2-40B4-BE49-F238E27FC236}">
+                <a16:creationId xmlns:a16="http://schemas.microsoft.com/office/drawing/2014/main" id="{BB40D6EC-A6DE-BA27-AAF0-8AE13973F568}"/>
+              </a:ext>
+            </a:extLst>
+          </p:cNvPr>
+          <p:cNvSpPr/>
+          <p:nvPr/>
+        </p:nvSpPr>
+        <p:spPr>
+          <a:xfrm>
+            <a:off x="7315200" y="5869094"/>
+            <a:ext cx="1600200" cy="304800"/>
+          </a:xfrm>
+          <a:prstGeom prst="snip2DiagRect">
+            <a:avLst>
+              <a:gd name="adj1" fmla="val 0"/>
+              <a:gd name="adj2" fmla="val 50000"/>
+            </a:avLst>
+          </a:prstGeom>
+        </p:spPr>
+        <p:style>
+          <a:lnRef idx="1">
+            <a:schemeClr val="accent1"/>
+          </a:lnRef>
+          <a:fillRef idx="2">
+            <a:schemeClr val="accent1"/>
+          </a:fillRef>
+          <a:effectRef idx="1">
+            <a:schemeClr val="accent1"/>
+          </a:effectRef>
+          <a:fontRef idx="minor">
+            <a:schemeClr val="dk1"/>
+          </a:fontRef>
+        </p:style>
+        <p:txBody>
+          <a:bodyPr rtlCol="0" anchor="ctr"/>
+          <a:lstStyle/>
+          <a:p>
+            <a:pPr algn="ctr"/>
+            <a:r>
+              <a:rPr lang="en-US" sz="1000" dirty="0"/>
+              <a:t>Pr6-10.cpp</a:t>
+            </a:r>
+          </a:p>
+        </p:txBody>
+      </p:sp>
+      <p:sp>
+        <p:nvSpPr>
+          <p:cNvPr id="3" name="Rectangle: Diagonal Corners Snipped 2">
+            <a:extLst>
+              <a:ext uri="{FF2B5EF4-FFF2-40B4-BE49-F238E27FC236}">
+                <a16:creationId xmlns:a16="http://schemas.microsoft.com/office/drawing/2014/main" id="{5DF7003E-8C54-4A60-48C8-DD5BCAA61BBD}"/>
+              </a:ext>
+            </a:extLst>
+          </p:cNvPr>
+          <p:cNvSpPr/>
+          <p:nvPr/>
+        </p:nvSpPr>
+        <p:spPr>
+          <a:xfrm>
+            <a:off x="7315200" y="5455921"/>
+            <a:ext cx="1600200" cy="304800"/>
+          </a:xfrm>
+          <a:prstGeom prst="snip2DiagRect">
+            <a:avLst>
+              <a:gd name="adj1" fmla="val 0"/>
+              <a:gd name="adj2" fmla="val 50000"/>
+            </a:avLst>
+          </a:prstGeom>
+        </p:spPr>
+        <p:style>
+          <a:lnRef idx="1">
+            <a:schemeClr val="accent1"/>
+          </a:lnRef>
+          <a:fillRef idx="2">
+            <a:schemeClr val="accent1"/>
+          </a:fillRef>
+          <a:effectRef idx="1">
+            <a:schemeClr val="accent1"/>
+          </a:effectRef>
+          <a:fontRef idx="minor">
+            <a:schemeClr val="dk1"/>
+          </a:fontRef>
+        </p:style>
+        <p:txBody>
+          <a:bodyPr rtlCol="0" anchor="ctr"/>
+          <a:lstStyle/>
+          <a:p>
+            <a:pPr algn="ctr"/>
+            <a:r>
+              <a:rPr lang="en-US" sz="1000" dirty="0"/>
+              <a:t>Pr5-8.cpp</a:t>
             </a:r>
           </a:p>
         </p:txBody>

--- a/1400_06_Functions.pptx
+++ b/1400_06_Functions.pptx
@@ -17138,6 +17138,56 @@
                 <a:latin typeface="Courier New" panose="02070309020205020404" pitchFamily="49" charset="0"/>
               </a:rPr>
               <a:t>	x = pow(2.0, 10.0);</a:t>
+            </a:r>
+          </a:p>
+        </p:txBody>
+      </p:sp>
+      <p:sp>
+        <p:nvSpPr>
+          <p:cNvPr id="2" name="Rectangle: Diagonal Corners Snipped 1">
+            <a:extLst>
+              <a:ext uri="{FF2B5EF4-FFF2-40B4-BE49-F238E27FC236}">
+                <a16:creationId xmlns:a16="http://schemas.microsoft.com/office/drawing/2014/main" id="{66351EDB-ABD9-4C44-B952-01A6F705E183}"/>
+              </a:ext>
+            </a:extLst>
+          </p:cNvPr>
+          <p:cNvSpPr/>
+          <p:nvPr/>
+        </p:nvSpPr>
+        <p:spPr>
+          <a:xfrm>
+            <a:off x="5867400" y="5869094"/>
+            <a:ext cx="3048000" cy="304800"/>
+          </a:xfrm>
+          <a:prstGeom prst="snip2DiagRect">
+            <a:avLst>
+              <a:gd name="adj1" fmla="val 0"/>
+              <a:gd name="adj2" fmla="val 50000"/>
+            </a:avLst>
+          </a:prstGeom>
+        </p:spPr>
+        <p:style>
+          <a:lnRef idx="1">
+            <a:schemeClr val="accent2"/>
+          </a:lnRef>
+          <a:fillRef idx="2">
+            <a:schemeClr val="accent2"/>
+          </a:fillRef>
+          <a:effectRef idx="1">
+            <a:schemeClr val="accent2"/>
+          </a:effectRef>
+          <a:fontRef idx="minor">
+            <a:schemeClr val="dk1"/>
+          </a:fontRef>
+        </p:style>
+        <p:txBody>
+          <a:bodyPr rtlCol="0" anchor="ctr"/>
+          <a:lstStyle/>
+          <a:p>
+            <a:pPr algn="ctr"/>
+            <a:r>
+              <a:rPr lang="en-US" sz="1000" dirty="0"/>
+              <a:t>Write our own program that calculates powers. Have the user input the base and the exponent.</a:t>
             </a:r>
           </a:p>
         </p:txBody>

--- a/1400_06_Functions.pptx
+++ b/1400_06_Functions.pptx
@@ -5,10 +5,10 @@
     <p:sldMasterId id="2147483864" r:id="rId1"/>
   </p:sldMasterIdLst>
   <p:notesMasterIdLst>
-    <p:notesMasterId r:id="rId68"/>
+    <p:notesMasterId r:id="rId66"/>
   </p:notesMasterIdLst>
   <p:handoutMasterIdLst>
-    <p:handoutMasterId r:id="rId69"/>
+    <p:handoutMasterId r:id="rId67"/>
   </p:handoutMasterIdLst>
   <p:sldIdLst>
     <p:sldId id="354" r:id="rId2"/>
@@ -70,13 +70,11 @@
     <p:sldId id="343" r:id="rId58"/>
     <p:sldId id="344" r:id="rId59"/>
     <p:sldId id="345" r:id="rId60"/>
-    <p:sldId id="346" r:id="rId61"/>
-    <p:sldId id="347" r:id="rId62"/>
-    <p:sldId id="348" r:id="rId63"/>
-    <p:sldId id="349" r:id="rId64"/>
-    <p:sldId id="350" r:id="rId65"/>
-    <p:sldId id="351" r:id="rId66"/>
-    <p:sldId id="352" r:id="rId67"/>
+    <p:sldId id="348" r:id="rId61"/>
+    <p:sldId id="349" r:id="rId62"/>
+    <p:sldId id="350" r:id="rId63"/>
+    <p:sldId id="351" r:id="rId64"/>
+    <p:sldId id="352" r:id="rId65"/>
   </p:sldIdLst>
   <p:sldSz cx="9144000" cy="6858000" type="screen4x3"/>
   <p:notesSz cx="6858000" cy="9144000"/>
@@ -320,7 +318,7 @@
               <a:pPr>
                 <a:defRPr/>
               </a:pPr>
-              <a:t>10/26/2022</a:t>
+              <a:t>10/31/2022</a:t>
             </a:fld>
             <a:endParaRPr lang="en-US"/>
           </a:p>
@@ -543,7 +541,7 @@
               <a:pPr>
                 <a:defRPr/>
               </a:pPr>
-              <a:t>10/26/2022</a:t>
+              <a:t>10/31/2022</a:t>
             </a:fld>
             <a:endParaRPr lang="en-US"/>
           </a:p>
@@ -5976,7 +5974,7 @@
             <a:fld id="{C5C386E2-E05B-4B17-AE32-5478E4467B94}" type="slidenum">
               <a:rPr lang="en-CA" altLang="en-US" smtClean="0"/>
               <a:pPr/>
-              <a:t>63</a:t>
+              <a:t>61</a:t>
             </a:fld>
             <a:endParaRPr lang="en-CA" altLang="en-US"/>
           </a:p>
@@ -6250,7 +6248,7 @@
             <a:fld id="{C86F9E2D-D6AC-424E-83F4-E38B2633FD22}" type="slidenum">
               <a:rPr lang="en-CA" altLang="en-US" smtClean="0"/>
               <a:pPr/>
-              <a:t>66</a:t>
+              <a:t>64</a:t>
             </a:fld>
             <a:endParaRPr lang="en-CA" altLang="en-US"/>
           </a:p>
@@ -8464,7 +8462,7 @@
           <a:p>
             <a:fld id="{96DFF08F-DC6B-4601-B491-B0F83F6DD2DA}" type="datetimeFigureOut">
               <a:rPr lang="en-US" smtClean="0"/>
-              <a:t>10/26/2022</a:t>
+              <a:t>10/31/2022</a:t>
             </a:fld>
             <a:endParaRPr lang="en-US" dirty="0"/>
           </a:p>
@@ -8716,7 +8714,7 @@
           <a:p>
             <a:fld id="{96DFF08F-DC6B-4601-B491-B0F83F6DD2DA}" type="datetimeFigureOut">
               <a:rPr lang="en-US" smtClean="0"/>
-              <a:t>10/26/2022</a:t>
+              <a:t>10/31/2022</a:t>
             </a:fld>
             <a:endParaRPr lang="en-US" dirty="0"/>
           </a:p>
@@ -8980,7 +8978,7 @@
           <a:p>
             <a:fld id="{96DFF08F-DC6B-4601-B491-B0F83F6DD2DA}" type="datetimeFigureOut">
               <a:rPr lang="en-US" smtClean="0"/>
-              <a:t>10/26/2022</a:t>
+              <a:t>10/31/2022</a:t>
             </a:fld>
             <a:endParaRPr lang="en-US" dirty="0"/>
           </a:p>
@@ -9155,7 +9153,7 @@
           <a:p>
             <a:fld id="{A3E28D29-1ECB-41DF-951B-2A23F95AD026}" type="datetimeFigureOut">
               <a:rPr lang="en-US" smtClean="0"/>
-              <a:t>10/26/2022</a:t>
+              <a:t>10/31/2022</a:t>
             </a:fld>
             <a:endParaRPr lang="en-US" dirty="0"/>
           </a:p>
@@ -9460,7 +9458,7 @@
           <a:p>
             <a:fld id="{96DFF08F-DC6B-4601-B491-B0F83F6DD2DA}" type="datetimeFigureOut">
               <a:rPr lang="en-US" smtClean="0"/>
-              <a:t>10/26/2022</a:t>
+              <a:t>10/31/2022</a:t>
             </a:fld>
             <a:endParaRPr lang="en-US" dirty="0"/>
           </a:p>
@@ -9779,7 +9777,7 @@
           <a:p>
             <a:fld id="{96DFF08F-DC6B-4601-B491-B0F83F6DD2DA}" type="datetimeFigureOut">
               <a:rPr lang="en-US" smtClean="0"/>
-              <a:t>10/26/2022</a:t>
+              <a:t>10/31/2022</a:t>
             </a:fld>
             <a:endParaRPr lang="en-US" dirty="0"/>
           </a:p>
@@ -10164,7 +10162,7 @@
           <a:p>
             <a:fld id="{96DFF08F-DC6B-4601-B491-B0F83F6DD2DA}" type="datetimeFigureOut">
               <a:rPr lang="en-US" smtClean="0"/>
-              <a:t>10/26/2022</a:t>
+              <a:t>10/31/2022</a:t>
             </a:fld>
             <a:endParaRPr lang="en-US" dirty="0"/>
           </a:p>
@@ -10288,7 +10286,7 @@
           <a:p>
             <a:fld id="{96DFF08F-DC6B-4601-B491-B0F83F6DD2DA}" type="datetimeFigureOut">
               <a:rPr lang="en-US" smtClean="0"/>
-              <a:t>10/26/2022</a:t>
+              <a:t>10/31/2022</a:t>
             </a:fld>
             <a:endParaRPr lang="en-US" dirty="0"/>
           </a:p>
@@ -10468,7 +10466,7 @@
             <a:fld id="{96DFF08F-DC6B-4601-B491-B0F83F6DD2DA}" type="datetimeFigureOut">
               <a:rPr lang="en-US" smtClean="0"/>
               <a:pPr/>
-              <a:t>10/26/2022</a:t>
+              <a:t>10/31/2022</a:t>
             </a:fld>
             <a:endParaRPr lang="en-US" dirty="0"/>
           </a:p>
@@ -10831,7 +10829,7 @@
             <a:fld id="{96DFF08F-DC6B-4601-B491-B0F83F6DD2DA}" type="datetimeFigureOut">
               <a:rPr lang="en-US" smtClean="0"/>
               <a:pPr/>
-              <a:t>10/26/2022</a:t>
+              <a:t>10/31/2022</a:t>
             </a:fld>
             <a:endParaRPr lang="en-US" dirty="0"/>
           </a:p>
@@ -11216,7 +11214,7 @@
           <a:p>
             <a:fld id="{96DFF08F-DC6B-4601-B491-B0F83F6DD2DA}" type="datetimeFigureOut">
               <a:rPr lang="en-US" smtClean="0"/>
-              <a:t>10/26/2022</a:t>
+              <a:t>10/31/2022</a:t>
             </a:fld>
             <a:endParaRPr lang="en-US" dirty="0"/>
           </a:p>
@@ -11512,7 +11510,7 @@
             <a:fld id="{96DFF08F-DC6B-4601-B491-B0F83F6DD2DA}" type="datetimeFigureOut">
               <a:rPr lang="en-US" smtClean="0"/>
               <a:pPr/>
-              <a:t>10/26/2022</a:t>
+              <a:t>10/31/2022</a:t>
             </a:fld>
             <a:endParaRPr lang="en-US" dirty="0"/>
           </a:p>
@@ -23315,7 +23313,21 @@
           <a:p>
             <a:r>
               <a:rPr lang="en-US" altLang="en-US" dirty="0"/>
-              <a:t>Use when appropriate – don’t use when argument should not be changed by function, or if function needs to return only 1 value</a:t>
+              <a:t>Use when appropriate </a:t>
+            </a:r>
+          </a:p>
+          <a:p>
+            <a:pPr lvl="1"/>
+            <a:r>
+              <a:rPr lang="en-US" altLang="en-US" dirty="0"/>
+              <a:t>don’t use when argument should not be changed by function</a:t>
+            </a:r>
+          </a:p>
+          <a:p>
+            <a:pPr lvl="1"/>
+            <a:r>
+              <a:rPr lang="en-US" altLang="en-US" dirty="0"/>
+              <a:t>don’t use if function needs to return only 1 value</a:t>
             </a:r>
           </a:p>
         </p:txBody>
@@ -23471,68 +23483,42 @@
             <p:ph idx="1"/>
           </p:nvPr>
         </p:nvSpPr>
-        <p:spPr>
-          <a:xfrm>
-            <a:off x="457200" y="1736725"/>
-            <a:ext cx="7845425" cy="3881438"/>
-          </a:xfrm>
-        </p:spPr>
+        <p:spPr/>
         <p:txBody>
           <a:bodyPr>
-            <a:normAutofit lnSpcReduction="10000"/>
+            <a:normAutofit/>
           </a:bodyPr>
           <a:lstStyle/>
           <a:p>
-            <a:pPr>
-              <a:lnSpc>
-                <a:spcPct val="90000"/>
-              </a:lnSpc>
-              <a:buFontTx/>
-              <a:buChar char="•"/>
-            </a:pPr>
-            <a:r>
-              <a:rPr lang="en-US" altLang="en-US" sz="2800" u="sng"/>
+            <a:r>
+              <a:rPr lang="en-US" altLang="en-US" u="sng" dirty="0"/>
               <a:t>Overloaded functions</a:t>
             </a:r>
             <a:r>
-              <a:rPr lang="en-US" altLang="en-US" sz="2800"/>
+              <a:rPr lang="en-US" altLang="en-US" dirty="0"/>
               <a:t> have the same name but different parameter lists</a:t>
             </a:r>
             <a:br>
-              <a:rPr lang="en-US" altLang="en-US" sz="2800"/>
+              <a:rPr lang="en-US" altLang="en-US" dirty="0"/>
             </a:br>
-            <a:endParaRPr lang="en-US" altLang="en-US" sz="2800"/>
-          </a:p>
-          <a:p>
-            <a:pPr>
-              <a:lnSpc>
-                <a:spcPct val="90000"/>
-              </a:lnSpc>
-              <a:buFontTx/>
-              <a:buChar char="•"/>
-            </a:pPr>
-            <a:r>
-              <a:rPr lang="en-US" altLang="en-US" sz="2800"/>
-              <a:t>Can be used to create functions that perform the same task but take different parameter types or different number of  parameters</a:t>
+            <a:endParaRPr lang="en-US" altLang="en-US" dirty="0"/>
+          </a:p>
+          <a:p>
+            <a:r>
+              <a:rPr lang="en-US" altLang="en-US" dirty="0"/>
+              <a:t>Can be used to create functions that perform the same task but take different parameter types or different number of parameters</a:t>
             </a:r>
             <a:br>
-              <a:rPr lang="en-US" altLang="en-US" sz="2800"/>
+              <a:rPr lang="en-US" altLang="en-US" dirty="0"/>
             </a:br>
-            <a:endParaRPr lang="en-US" altLang="en-US" sz="2800"/>
-          </a:p>
-          <a:p>
-            <a:pPr>
-              <a:lnSpc>
-                <a:spcPct val="90000"/>
-              </a:lnSpc>
-              <a:buFontTx/>
-              <a:buChar char="•"/>
-            </a:pPr>
-            <a:r>
-              <a:rPr lang="en-US" altLang="en-US" sz="2800"/>
+            <a:endParaRPr lang="en-US" altLang="en-US" dirty="0"/>
+          </a:p>
+          <a:p>
+            <a:r>
+              <a:rPr lang="en-US" altLang="en-US" dirty="0"/>
               <a:t>Compiler will determine which version of function to call by argument and parameter lists</a:t>
             </a:r>
-            <a:endParaRPr lang="en-US" altLang="en-US" sz="2800" u="sng"/>
+            <a:endParaRPr lang="en-US" altLang="en-US" u="sng" dirty="0"/>
           </a:p>
         </p:txBody>
       </p:sp>
@@ -23606,15 +23592,10 @@
             <p:ph idx="1"/>
           </p:nvPr>
         </p:nvSpPr>
-        <p:spPr>
-          <a:xfrm>
-            <a:off x="304800" y="1524000"/>
-            <a:ext cx="8534400" cy="4267200"/>
-          </a:xfrm>
-        </p:spPr>
+        <p:spPr/>
         <p:txBody>
           <a:bodyPr>
-            <a:normAutofit lnSpcReduction="10000"/>
+            <a:normAutofit/>
           </a:bodyPr>
           <a:lstStyle/>
           <a:p>
@@ -23626,7 +23607,7 @@
               <a:buNone/>
             </a:pPr>
             <a:r>
-              <a:rPr lang="en-US" altLang="en-US" sz="2800"/>
+              <a:rPr lang="en-US" altLang="en-US" dirty="0"/>
               <a:t>	Using these overloaded functions,</a:t>
             </a:r>
           </a:p>
@@ -23639,10 +23620,22 @@
               <a:buNone/>
             </a:pPr>
             <a:r>
-              <a:rPr lang="en-US" altLang="en-US" sz="2400">
+              <a:rPr lang="en-US" altLang="en-US" sz="2000" dirty="0">
                 <a:latin typeface="Courier New" panose="02070309020205020404" pitchFamily="49" charset="0"/>
               </a:rPr>
-              <a:t>void getDimensions(int);           // 1</a:t>
+              <a:t>void </a:t>
+            </a:r>
+            <a:r>
+              <a:rPr lang="en-US" altLang="en-US" sz="2000" dirty="0" err="1">
+                <a:latin typeface="Courier New" panose="02070309020205020404" pitchFamily="49" charset="0"/>
+              </a:rPr>
+              <a:t>getDimensions</a:t>
+            </a:r>
+            <a:r>
+              <a:rPr lang="en-US" altLang="en-US" sz="2000" dirty="0">
+                <a:latin typeface="Courier New" panose="02070309020205020404" pitchFamily="49" charset="0"/>
+              </a:rPr>
+              <a:t>(int);           // 1</a:t>
             </a:r>
           </a:p>
           <a:p>
@@ -23654,10 +23647,22 @@
               <a:buNone/>
             </a:pPr>
             <a:r>
-              <a:rPr lang="en-US" altLang="en-US" sz="2400">
+              <a:rPr lang="en-US" altLang="en-US" sz="2000" dirty="0">
                 <a:latin typeface="Courier New" panose="02070309020205020404" pitchFamily="49" charset="0"/>
               </a:rPr>
-              <a:t>void getDimensions(int, int);      // 2</a:t>
+              <a:t>void </a:t>
+            </a:r>
+            <a:r>
+              <a:rPr lang="en-US" altLang="en-US" sz="2000" dirty="0" err="1">
+                <a:latin typeface="Courier New" panose="02070309020205020404" pitchFamily="49" charset="0"/>
+              </a:rPr>
+              <a:t>getDimensions</a:t>
+            </a:r>
+            <a:r>
+              <a:rPr lang="en-US" altLang="en-US" sz="2000" dirty="0">
+                <a:latin typeface="Courier New" panose="02070309020205020404" pitchFamily="49" charset="0"/>
+              </a:rPr>
+              <a:t>(int, int);      // 2</a:t>
             </a:r>
           </a:p>
           <a:p>
@@ -23669,10 +23674,22 @@
               <a:buNone/>
             </a:pPr>
             <a:r>
-              <a:rPr lang="en-US" altLang="en-US" sz="2400">
+              <a:rPr lang="en-US" altLang="en-US" sz="2000" dirty="0">
                 <a:latin typeface="Courier New" panose="02070309020205020404" pitchFamily="49" charset="0"/>
               </a:rPr>
-              <a:t>void getDimensions(int, double);   // 3</a:t>
+              <a:t>void </a:t>
+            </a:r>
+            <a:r>
+              <a:rPr lang="en-US" altLang="en-US" sz="2000" dirty="0" err="1">
+                <a:latin typeface="Courier New" panose="02070309020205020404" pitchFamily="49" charset="0"/>
+              </a:rPr>
+              <a:t>getDimensions</a:t>
+            </a:r>
+            <a:r>
+              <a:rPr lang="en-US" altLang="en-US" sz="2000" dirty="0">
+                <a:latin typeface="Courier New" panose="02070309020205020404" pitchFamily="49" charset="0"/>
+              </a:rPr>
+              <a:t>(int, double);   // 3</a:t>
             </a:r>
           </a:p>
           <a:p>
@@ -23684,10 +23701,22 @@
               <a:buNone/>
             </a:pPr>
             <a:r>
-              <a:rPr lang="en-US" altLang="en-US" sz="2400">
+              <a:rPr lang="en-US" altLang="en-US" sz="2000" dirty="0">
                 <a:latin typeface="Courier New" panose="02070309020205020404" pitchFamily="49" charset="0"/>
               </a:rPr>
-              <a:t>void getDimensions(double, double);// 4</a:t>
+              <a:t>void </a:t>
+            </a:r>
+            <a:r>
+              <a:rPr lang="en-US" altLang="en-US" sz="2000" dirty="0" err="1">
+                <a:latin typeface="Courier New" panose="02070309020205020404" pitchFamily="49" charset="0"/>
+              </a:rPr>
+              <a:t>getDimensions</a:t>
+            </a:r>
+            <a:r>
+              <a:rPr lang="en-US" altLang="en-US" sz="2000" dirty="0">
+                <a:latin typeface="Courier New" panose="02070309020205020404" pitchFamily="49" charset="0"/>
+              </a:rPr>
+              <a:t>(double, double);// 4</a:t>
             </a:r>
           </a:p>
           <a:p>
@@ -23699,13 +23728,13 @@
               <a:buNone/>
             </a:pPr>
             <a:r>
-              <a:rPr lang="en-US" altLang="en-US" sz="2800">
+              <a:rPr lang="en-US" altLang="en-US" dirty="0">
                 <a:latin typeface="Courier New" panose="02070309020205020404" pitchFamily="49" charset="0"/>
               </a:rPr>
               <a:t>	</a:t>
             </a:r>
             <a:r>
-              <a:rPr lang="en-US" altLang="en-US" sz="2800"/>
+              <a:rPr lang="en-US" altLang="en-US" dirty="0"/>
               <a:t>the compiler will use them as follows:</a:t>
             </a:r>
           </a:p>
@@ -23718,7 +23747,7 @@
               <a:buNone/>
             </a:pPr>
             <a:r>
-              <a:rPr lang="en-US" altLang="en-US" sz="2400">
+              <a:rPr lang="en-US" altLang="en-US" sz="2000" dirty="0">
                 <a:latin typeface="Courier New" panose="02070309020205020404" pitchFamily="49" charset="0"/>
               </a:rPr>
               <a:t>int length, width; </a:t>
@@ -23733,7 +23762,7 @@
               <a:buNone/>
             </a:pPr>
             <a:r>
-              <a:rPr lang="en-US" altLang="en-US" sz="2400">
+              <a:rPr lang="en-US" altLang="en-US" sz="2000" dirty="0">
                 <a:latin typeface="Courier New" panose="02070309020205020404" pitchFamily="49" charset="0"/>
               </a:rPr>
               <a:t>double base, height;</a:t>
@@ -23748,10 +23777,16 @@
               <a:buNone/>
             </a:pPr>
             <a:r>
-              <a:rPr lang="en-US" altLang="en-US" sz="2400">
+              <a:rPr lang="en-US" altLang="en-US" sz="2000" dirty="0" err="1">
                 <a:latin typeface="Courier New" panose="02070309020205020404" pitchFamily="49" charset="0"/>
               </a:rPr>
-              <a:t>getDimensions(length);           // 1</a:t>
+              <a:t>getDimensions</a:t>
+            </a:r>
+            <a:r>
+              <a:rPr lang="en-US" altLang="en-US" sz="2000" dirty="0">
+                <a:latin typeface="Courier New" panose="02070309020205020404" pitchFamily="49" charset="0"/>
+              </a:rPr>
+              <a:t>(length);           // 1</a:t>
             </a:r>
           </a:p>
           <a:p>
@@ -23763,10 +23798,16 @@
               <a:buNone/>
             </a:pPr>
             <a:r>
-              <a:rPr lang="en-US" altLang="en-US" sz="2400">
+              <a:rPr lang="en-US" altLang="en-US" sz="2000" dirty="0" err="1">
                 <a:latin typeface="Courier New" panose="02070309020205020404" pitchFamily="49" charset="0"/>
               </a:rPr>
-              <a:t>getDimensions(length, width);    // 2</a:t>
+              <a:t>getDimensions</a:t>
+            </a:r>
+            <a:r>
+              <a:rPr lang="en-US" altLang="en-US" sz="2000" dirty="0">
+                <a:latin typeface="Courier New" panose="02070309020205020404" pitchFamily="49" charset="0"/>
+              </a:rPr>
+              <a:t>(length, width);    // 2</a:t>
             </a:r>
           </a:p>
           <a:p>
@@ -23778,10 +23819,16 @@
               <a:buNone/>
             </a:pPr>
             <a:r>
-              <a:rPr lang="en-US" altLang="en-US" sz="2400">
+              <a:rPr lang="en-US" altLang="en-US" sz="2000" dirty="0" err="1">
                 <a:latin typeface="Courier New" panose="02070309020205020404" pitchFamily="49" charset="0"/>
               </a:rPr>
-              <a:t>getDimensions(length, height);   // 3</a:t>
+              <a:t>getDimensions</a:t>
+            </a:r>
+            <a:r>
+              <a:rPr lang="en-US" altLang="en-US" sz="2000" dirty="0">
+                <a:latin typeface="Courier New" panose="02070309020205020404" pitchFamily="49" charset="0"/>
+              </a:rPr>
+              <a:t>(length, height);   // 3</a:t>
             </a:r>
           </a:p>
           <a:p>
@@ -23793,10 +23840,116 @@
               <a:buNone/>
             </a:pPr>
             <a:r>
-              <a:rPr lang="en-US" altLang="en-US" sz="2400">
+              <a:rPr lang="en-US" altLang="en-US" sz="2000" dirty="0" err="1">
                 <a:latin typeface="Courier New" panose="02070309020205020404" pitchFamily="49" charset="0"/>
               </a:rPr>
-              <a:t>getDimensions(height, base);     // 4</a:t>
+              <a:t>getDimensions</a:t>
+            </a:r>
+            <a:r>
+              <a:rPr lang="en-US" altLang="en-US" sz="2000" dirty="0">
+                <a:latin typeface="Courier New" panose="02070309020205020404" pitchFamily="49" charset="0"/>
+              </a:rPr>
+              <a:t>(height, base);     // 4</a:t>
+            </a:r>
+          </a:p>
+        </p:txBody>
+      </p:sp>
+      <p:sp>
+        <p:nvSpPr>
+          <p:cNvPr id="2" name="Rectangle: Diagonal Corners Snipped 1">
+            <a:extLst>
+              <a:ext uri="{FF2B5EF4-FFF2-40B4-BE49-F238E27FC236}">
+                <a16:creationId xmlns:a16="http://schemas.microsoft.com/office/drawing/2014/main" id="{4C652820-0700-6133-1B24-9EFC4083AB49}"/>
+              </a:ext>
+            </a:extLst>
+          </p:cNvPr>
+          <p:cNvSpPr/>
+          <p:nvPr/>
+        </p:nvSpPr>
+        <p:spPr>
+          <a:xfrm>
+            <a:off x="7315200" y="5869094"/>
+            <a:ext cx="1600200" cy="304800"/>
+          </a:xfrm>
+          <a:prstGeom prst="snip2DiagRect">
+            <a:avLst>
+              <a:gd name="adj1" fmla="val 0"/>
+              <a:gd name="adj2" fmla="val 50000"/>
+            </a:avLst>
+          </a:prstGeom>
+        </p:spPr>
+        <p:style>
+          <a:lnRef idx="1">
+            <a:schemeClr val="accent1"/>
+          </a:lnRef>
+          <a:fillRef idx="2">
+            <a:schemeClr val="accent1"/>
+          </a:fillRef>
+          <a:effectRef idx="1">
+            <a:schemeClr val="accent1"/>
+          </a:effectRef>
+          <a:fontRef idx="minor">
+            <a:schemeClr val="dk1"/>
+          </a:fontRef>
+        </p:style>
+        <p:txBody>
+          <a:bodyPr rtlCol="0" anchor="ctr"/>
+          <a:lstStyle/>
+          <a:p>
+            <a:pPr algn="ctr"/>
+            <a:r>
+              <a:rPr lang="en-US" sz="1000" dirty="0"/>
+              <a:t>Pr6-29.cpp</a:t>
+            </a:r>
+          </a:p>
+        </p:txBody>
+      </p:sp>
+      <p:sp>
+        <p:nvSpPr>
+          <p:cNvPr id="3" name="Rectangle: Diagonal Corners Snipped 2">
+            <a:extLst>
+              <a:ext uri="{FF2B5EF4-FFF2-40B4-BE49-F238E27FC236}">
+                <a16:creationId xmlns:a16="http://schemas.microsoft.com/office/drawing/2014/main" id="{3322326A-DF89-54CE-3061-C3C3149736C3}"/>
+              </a:ext>
+            </a:extLst>
+          </p:cNvPr>
+          <p:cNvSpPr/>
+          <p:nvPr/>
+        </p:nvSpPr>
+        <p:spPr>
+          <a:xfrm>
+            <a:off x="7315200" y="5455921"/>
+            <a:ext cx="1600200" cy="304800"/>
+          </a:xfrm>
+          <a:prstGeom prst="snip2DiagRect">
+            <a:avLst>
+              <a:gd name="adj1" fmla="val 0"/>
+              <a:gd name="adj2" fmla="val 50000"/>
+            </a:avLst>
+          </a:prstGeom>
+        </p:spPr>
+        <p:style>
+          <a:lnRef idx="1">
+            <a:schemeClr val="accent1"/>
+          </a:lnRef>
+          <a:fillRef idx="2">
+            <a:schemeClr val="accent1"/>
+          </a:fillRef>
+          <a:effectRef idx="1">
+            <a:schemeClr val="accent1"/>
+          </a:effectRef>
+          <a:fontRef idx="minor">
+            <a:schemeClr val="dk1"/>
+          </a:fontRef>
+        </p:style>
+        <p:txBody>
+          <a:bodyPr rtlCol="0" anchor="ctr"/>
+          <a:lstStyle/>
+          <a:p>
+            <a:pPr algn="ctr"/>
+            <a:r>
+              <a:rPr lang="en-US" sz="1000" dirty="0"/>
+              <a:t>Pr6-28.cpp</a:t>
             </a:r>
           </a:p>
         </p:txBody>
@@ -23936,1161 +24089,20 @@
           <a:chExt cx="0" cy="0"/>
         </a:xfrm>
       </p:grpSpPr>
-      <p:pic>
-        <p:nvPicPr>
-          <p:cNvPr id="120834" name="Picture 1">
+      <p:sp>
+        <p:nvSpPr>
+          <p:cNvPr id="122882" name="Title 1">
             <a:extLst>
               <a:ext uri="{FF2B5EF4-FFF2-40B4-BE49-F238E27FC236}">
-                <a16:creationId xmlns:a16="http://schemas.microsoft.com/office/drawing/2014/main" id="{2C55287A-722F-AA48-1B07-C5C02475478A}"/>
+                <a16:creationId xmlns:a16="http://schemas.microsoft.com/office/drawing/2014/main" id="{D11508BC-7713-91B6-A047-DFB3BEA909DF}"/>
               </a:ext>
             </a:extLst>
           </p:cNvPr>
-          <p:cNvPicPr>
-            <a:picLocks noChangeAspect="1" noChangeArrowheads="1"/>
-          </p:cNvPicPr>
-          <p:nvPr/>
-        </p:nvPicPr>
-        <p:blipFill>
-          <a:blip r:embed="rId2">
-            <a:extLst>
-              <a:ext uri="{28A0092B-C50C-407E-A947-70E740481C1C}">
-                <a14:useLocalDpi xmlns:a14="http://schemas.microsoft.com/office/drawing/2010/main" val="0"/>
-              </a:ext>
-            </a:extLst>
-          </a:blip>
-          <a:srcRect/>
-          <a:stretch>
-            <a:fillRect/>
-          </a:stretch>
-        </p:blipFill>
-        <p:spPr bwMode="auto">
-          <a:xfrm>
-            <a:off x="542925" y="1130300"/>
-            <a:ext cx="6391275" cy="5241925"/>
-          </a:xfrm>
-          <a:prstGeom prst="rect">
-            <a:avLst/>
-          </a:prstGeom>
-          <a:noFill/>
-          <a:ln>
-            <a:noFill/>
-          </a:ln>
-          <a:extLst>
-            <a:ext uri="{909E8E84-426E-40DD-AFC4-6F175D3DCCD1}">
-              <a14:hiddenFill xmlns:a14="http://schemas.microsoft.com/office/drawing/2010/main">
-                <a:solidFill>
-                  <a:srgbClr val="FFFFFF"/>
-                </a:solidFill>
-              </a14:hiddenFill>
-            </a:ext>
-            <a:ext uri="{91240B29-F687-4F45-9708-019B960494DF}">
-              <a14:hiddenLine xmlns:a14="http://schemas.microsoft.com/office/drawing/2010/main" w="9525">
-                <a:solidFill>
-                  <a:srgbClr val="000000"/>
-                </a:solidFill>
-                <a:miter lim="800000"/>
-                <a:headEnd/>
-                <a:tailEnd/>
-              </a14:hiddenLine>
-            </a:ext>
-          </a:extLst>
-        </p:spPr>
-      </p:pic>
-      <p:grpSp>
-        <p:nvGrpSpPr>
-          <p:cNvPr id="120835" name="Group 15">
-            <a:extLst>
-              <a:ext uri="{FF2B5EF4-FFF2-40B4-BE49-F238E27FC236}">
-                <a16:creationId xmlns:a16="http://schemas.microsoft.com/office/drawing/2014/main" id="{820FD485-E38E-0A86-C56F-71ACE0C7C2A8}"/>
-              </a:ext>
-            </a:extLst>
-          </p:cNvPr>
-          <p:cNvGrpSpPr>
-            <a:grpSpLocks/>
-          </p:cNvGrpSpPr>
-          <p:nvPr/>
-        </p:nvGrpSpPr>
-        <p:grpSpPr bwMode="auto">
-          <a:xfrm>
-            <a:off x="2478088" y="2590800"/>
-            <a:ext cx="5599112" cy="3940175"/>
-            <a:chOff x="2132" y="1326"/>
-            <a:chExt cx="4215" cy="2966"/>
-          </a:xfrm>
-        </p:grpSpPr>
-        <p:grpSp>
-          <p:nvGrpSpPr>
-            <p:cNvPr id="120838" name="Group 13">
-              <a:extLst>
-                <a:ext uri="{FF2B5EF4-FFF2-40B4-BE49-F238E27FC236}">
-                  <a16:creationId xmlns:a16="http://schemas.microsoft.com/office/drawing/2014/main" id="{BCD0BADB-0613-F522-FD2D-D1F8A708E09C}"/>
-                </a:ext>
-              </a:extLst>
-            </p:cNvPr>
-            <p:cNvGrpSpPr>
-              <a:grpSpLocks/>
-            </p:cNvGrpSpPr>
-            <p:nvPr/>
-          </p:nvGrpSpPr>
-          <p:grpSpPr bwMode="auto">
-            <a:xfrm>
-              <a:off x="2381" y="1326"/>
-              <a:ext cx="2926" cy="987"/>
-              <a:chOff x="1920" y="1152"/>
-              <a:chExt cx="3360" cy="1174"/>
-            </a:xfrm>
-          </p:grpSpPr>
-          <p:sp>
-            <p:nvSpPr>
-              <p:cNvPr id="120844" name="Text Box 4">
-                <a:extLst>
-                  <a:ext uri="{FF2B5EF4-FFF2-40B4-BE49-F238E27FC236}">
-                    <a16:creationId xmlns:a16="http://schemas.microsoft.com/office/drawing/2014/main" id="{0337AB1A-33DC-51F3-14C8-DC91F8D9DBE3}"/>
-                  </a:ext>
-                </a:extLst>
-              </p:cNvPr>
-              <p:cNvSpPr txBox="1">
-                <a:spLocks noChangeArrowheads="1"/>
-              </p:cNvSpPr>
-              <p:nvPr/>
-            </p:nvSpPr>
-            <p:spPr bwMode="auto">
-              <a:xfrm>
-                <a:off x="2968" y="1152"/>
-                <a:ext cx="2312" cy="1174"/>
-              </a:xfrm>
-              <a:prstGeom prst="rect">
-                <a:avLst/>
-              </a:prstGeom>
-              <a:noFill/>
-              <a:ln>
-                <a:noFill/>
-              </a:ln>
-              <a:extLst>
-                <a:ext uri="{909E8E84-426E-40DD-AFC4-6F175D3DCCD1}">
-                  <a14:hiddenFill xmlns:a14="http://schemas.microsoft.com/office/drawing/2010/main">
-                    <a:solidFill>
-                      <a:srgbClr val="FFFFFF"/>
-                    </a:solidFill>
-                  </a14:hiddenFill>
-                </a:ext>
-                <a:ext uri="{91240B29-F687-4F45-9708-019B960494DF}">
-                  <a14:hiddenLine xmlns:a14="http://schemas.microsoft.com/office/drawing/2010/main" w="9525">
-                    <a:solidFill>
-                      <a:srgbClr val="000000"/>
-                    </a:solidFill>
-                    <a:miter lim="800000"/>
-                    <a:headEnd/>
-                    <a:tailEnd/>
-                  </a14:hiddenLine>
-                </a:ext>
-              </a:extLst>
-            </p:spPr>
-            <p:txBody>
-              <a:bodyPr>
-                <a:spAutoFit/>
-              </a:bodyPr>
-              <a:lstStyle>
-                <a:lvl1pPr>
-                  <a:spcBef>
-                    <a:spcPct val="20000"/>
-                  </a:spcBef>
-                  <a:buChar char="•"/>
-                  <a:defRPr sz="3200">
-                    <a:solidFill>
-                      <a:schemeClr val="tx1"/>
-                    </a:solidFill>
-                    <a:latin typeface="Arial" panose="020B0604020202020204" pitchFamily="34" charset="0"/>
-                    <a:cs typeface="Arial" panose="020B0604020202020204" pitchFamily="34" charset="0"/>
-                  </a:defRPr>
-                </a:lvl1pPr>
-                <a:lvl2pPr marL="742950" indent="-285750">
-                  <a:spcBef>
-                    <a:spcPct val="20000"/>
-                  </a:spcBef>
-                  <a:buChar char="–"/>
-                  <a:defRPr sz="2800">
-                    <a:solidFill>
-                      <a:schemeClr val="tx1"/>
-                    </a:solidFill>
-                    <a:latin typeface="Arial" panose="020B0604020202020204" pitchFamily="34" charset="0"/>
-                    <a:cs typeface="Arial" panose="020B0604020202020204" pitchFamily="34" charset="0"/>
-                  </a:defRPr>
-                </a:lvl2pPr>
-                <a:lvl3pPr marL="1143000" indent="-228600">
-                  <a:spcBef>
-                    <a:spcPct val="20000"/>
-                  </a:spcBef>
-                  <a:buChar char="•"/>
-                  <a:defRPr sz="2400">
-                    <a:solidFill>
-                      <a:schemeClr val="tx1"/>
-                    </a:solidFill>
-                    <a:latin typeface="Arial" panose="020B0604020202020204" pitchFamily="34" charset="0"/>
-                    <a:cs typeface="Arial" panose="020B0604020202020204" pitchFamily="34" charset="0"/>
-                  </a:defRPr>
-                </a:lvl3pPr>
-                <a:lvl4pPr marL="1600200" indent="-228600">
-                  <a:spcBef>
-                    <a:spcPct val="20000"/>
-                  </a:spcBef>
-                  <a:buChar char="–"/>
-                  <a:defRPr sz="2000">
-                    <a:solidFill>
-                      <a:schemeClr val="tx1"/>
-                    </a:solidFill>
-                    <a:latin typeface="Arial" panose="020B0604020202020204" pitchFamily="34" charset="0"/>
-                    <a:cs typeface="Arial" panose="020B0604020202020204" pitchFamily="34" charset="0"/>
-                  </a:defRPr>
-                </a:lvl4pPr>
-                <a:lvl5pPr marL="2057400" indent="-228600">
-                  <a:spcBef>
-                    <a:spcPct val="20000"/>
-                  </a:spcBef>
-                  <a:buChar char="»"/>
-                  <a:defRPr sz="2000">
-                    <a:solidFill>
-                      <a:schemeClr val="tx1"/>
-                    </a:solidFill>
-                    <a:latin typeface="Arial" panose="020B0604020202020204" pitchFamily="34" charset="0"/>
-                    <a:cs typeface="Arial" panose="020B0604020202020204" pitchFamily="34" charset="0"/>
-                  </a:defRPr>
-                </a:lvl5pPr>
-                <a:lvl6pPr marL="2514600" indent="-228600" eaLnBrk="0" fontAlgn="base" hangingPunct="0">
-                  <a:spcBef>
-                    <a:spcPct val="20000"/>
-                  </a:spcBef>
-                  <a:spcAft>
-                    <a:spcPct val="0"/>
-                  </a:spcAft>
-                  <a:buChar char="»"/>
-                  <a:defRPr sz="2000">
-                    <a:solidFill>
-                      <a:schemeClr val="tx1"/>
-                    </a:solidFill>
-                    <a:latin typeface="Arial" panose="020B0604020202020204" pitchFamily="34" charset="0"/>
-                    <a:cs typeface="Arial" panose="020B0604020202020204" pitchFamily="34" charset="0"/>
-                  </a:defRPr>
-                </a:lvl6pPr>
-                <a:lvl7pPr marL="2971800" indent="-228600" eaLnBrk="0" fontAlgn="base" hangingPunct="0">
-                  <a:spcBef>
-                    <a:spcPct val="20000"/>
-                  </a:spcBef>
-                  <a:spcAft>
-                    <a:spcPct val="0"/>
-                  </a:spcAft>
-                  <a:buChar char="»"/>
-                  <a:defRPr sz="2000">
-                    <a:solidFill>
-                      <a:schemeClr val="tx1"/>
-                    </a:solidFill>
-                    <a:latin typeface="Arial" panose="020B0604020202020204" pitchFamily="34" charset="0"/>
-                    <a:cs typeface="Arial" panose="020B0604020202020204" pitchFamily="34" charset="0"/>
-                  </a:defRPr>
-                </a:lvl7pPr>
-                <a:lvl8pPr marL="3429000" indent="-228600" eaLnBrk="0" fontAlgn="base" hangingPunct="0">
-                  <a:spcBef>
-                    <a:spcPct val="20000"/>
-                  </a:spcBef>
-                  <a:spcAft>
-                    <a:spcPct val="0"/>
-                  </a:spcAft>
-                  <a:buChar char="»"/>
-                  <a:defRPr sz="2000">
-                    <a:solidFill>
-                      <a:schemeClr val="tx1"/>
-                    </a:solidFill>
-                    <a:latin typeface="Arial" panose="020B0604020202020204" pitchFamily="34" charset="0"/>
-                    <a:cs typeface="Arial" panose="020B0604020202020204" pitchFamily="34" charset="0"/>
-                  </a:defRPr>
-                </a:lvl8pPr>
-                <a:lvl9pPr marL="3886200" indent="-228600" eaLnBrk="0" fontAlgn="base" hangingPunct="0">
-                  <a:spcBef>
-                    <a:spcPct val="20000"/>
-                  </a:spcBef>
-                  <a:spcAft>
-                    <a:spcPct val="0"/>
-                  </a:spcAft>
-                  <a:buChar char="»"/>
-                  <a:defRPr sz="2000">
-                    <a:solidFill>
-                      <a:schemeClr val="tx1"/>
-                    </a:solidFill>
-                    <a:latin typeface="Arial" panose="020B0604020202020204" pitchFamily="34" charset="0"/>
-                    <a:cs typeface="Arial" panose="020B0604020202020204" pitchFamily="34" charset="0"/>
-                  </a:defRPr>
-                </a:lvl9pPr>
-              </a:lstStyle>
-              <a:p>
-                <a:pPr eaLnBrk="1" hangingPunct="1">
-                  <a:spcBef>
-                    <a:spcPct val="50000"/>
-                  </a:spcBef>
-                  <a:buFontTx/>
-                  <a:buNone/>
-                </a:pPr>
-                <a:r>
-                  <a:rPr lang="en-US" altLang="en-US" sz="2000">
-                    <a:solidFill>
-                      <a:srgbClr val="FA8218"/>
-                    </a:solidFill>
-                  </a:rPr>
-                  <a:t>The overloaded functions have different parameter lists</a:t>
-                </a:r>
-              </a:p>
-            </p:txBody>
-          </p:sp>
-          <p:sp>
-            <p:nvSpPr>
-              <p:cNvPr id="120845" name="Line 5">
-                <a:extLst>
-                  <a:ext uri="{FF2B5EF4-FFF2-40B4-BE49-F238E27FC236}">
-                    <a16:creationId xmlns:a16="http://schemas.microsoft.com/office/drawing/2014/main" id="{393AC6CA-EE37-FEAA-9A7B-7D64335B68FB}"/>
-                  </a:ext>
-                </a:extLst>
-              </p:cNvPr>
-              <p:cNvSpPr>
-                <a:spLocks noChangeShapeType="1"/>
-              </p:cNvSpPr>
-              <p:nvPr/>
-            </p:nvSpPr>
-            <p:spPr bwMode="auto">
-              <a:xfrm flipH="1">
-                <a:off x="1920" y="1440"/>
-                <a:ext cx="1056" cy="0"/>
-              </a:xfrm>
-              <a:prstGeom prst="line">
-                <a:avLst/>
-              </a:prstGeom>
-              <a:noFill/>
-              <a:ln w="25400">
-                <a:solidFill>
-                  <a:srgbClr val="FA8218"/>
-                </a:solidFill>
-                <a:round/>
-                <a:headEnd/>
-                <a:tailEnd type="triangle" w="med" len="med"/>
-              </a:ln>
-              <a:extLst>
-                <a:ext uri="{909E8E84-426E-40DD-AFC4-6F175D3DCCD1}">
-                  <a14:hiddenFill xmlns:a14="http://schemas.microsoft.com/office/drawing/2010/main">
-                    <a:noFill/>
-                  </a14:hiddenFill>
-                </a:ext>
-              </a:extLst>
-            </p:spPr>
-            <p:txBody>
-              <a:bodyPr>
-                <a:spAutoFit/>
-              </a:bodyPr>
-              <a:lstStyle/>
-              <a:p>
-                <a:endParaRPr lang="en-US"/>
-              </a:p>
-            </p:txBody>
-          </p:sp>
-          <p:sp>
-            <p:nvSpPr>
-              <p:cNvPr id="120846" name="Line 6">
-                <a:extLst>
-                  <a:ext uri="{FF2B5EF4-FFF2-40B4-BE49-F238E27FC236}">
-                    <a16:creationId xmlns:a16="http://schemas.microsoft.com/office/drawing/2014/main" id="{ABC43D84-3886-BEF3-05E1-E847BF542B89}"/>
-                  </a:ext>
-                </a:extLst>
-              </p:cNvPr>
-              <p:cNvSpPr>
-                <a:spLocks noChangeShapeType="1"/>
-              </p:cNvSpPr>
-              <p:nvPr/>
-            </p:nvSpPr>
-            <p:spPr bwMode="auto">
-              <a:xfrm flipH="1">
-                <a:off x="2304" y="1584"/>
-                <a:ext cx="672" cy="0"/>
-              </a:xfrm>
-              <a:prstGeom prst="line">
-                <a:avLst/>
-              </a:prstGeom>
-              <a:noFill/>
-              <a:ln w="25400">
-                <a:solidFill>
-                  <a:srgbClr val="FA8218"/>
-                </a:solidFill>
-                <a:round/>
-                <a:headEnd/>
-                <a:tailEnd type="triangle" w="med" len="med"/>
-              </a:ln>
-              <a:extLst>
-                <a:ext uri="{909E8E84-426E-40DD-AFC4-6F175D3DCCD1}">
-                  <a14:hiddenFill xmlns:a14="http://schemas.microsoft.com/office/drawing/2010/main">
-                    <a:noFill/>
-                  </a14:hiddenFill>
-                </a:ext>
-              </a:extLst>
-            </p:spPr>
-            <p:txBody>
-              <a:bodyPr>
-                <a:spAutoFit/>
-              </a:bodyPr>
-              <a:lstStyle/>
-              <a:p>
-                <a:endParaRPr lang="en-US"/>
-              </a:p>
-            </p:txBody>
-          </p:sp>
-        </p:grpSp>
-        <p:grpSp>
-          <p:nvGrpSpPr>
-            <p:cNvPr id="120839" name="Group 11">
-              <a:extLst>
-                <a:ext uri="{FF2B5EF4-FFF2-40B4-BE49-F238E27FC236}">
-                  <a16:creationId xmlns:a16="http://schemas.microsoft.com/office/drawing/2014/main" id="{6EED9DF1-DCBA-8262-EA4A-749A846F2534}"/>
-                </a:ext>
-              </a:extLst>
-            </p:cNvPr>
-            <p:cNvGrpSpPr>
-              <a:grpSpLocks/>
-            </p:cNvGrpSpPr>
-            <p:nvPr/>
-          </p:nvGrpSpPr>
-          <p:grpSpPr bwMode="auto">
-            <a:xfrm>
-              <a:off x="2132" y="3833"/>
-              <a:ext cx="1716" cy="459"/>
-              <a:chOff x="1657" y="4084"/>
-              <a:chExt cx="1971" cy="545"/>
-            </a:xfrm>
-          </p:grpSpPr>
-          <p:sp>
-            <p:nvSpPr>
-              <p:cNvPr id="120842" name="Text Box 7">
-                <a:extLst>
-                  <a:ext uri="{FF2B5EF4-FFF2-40B4-BE49-F238E27FC236}">
-                    <a16:creationId xmlns:a16="http://schemas.microsoft.com/office/drawing/2014/main" id="{A6156CF4-178C-2965-E98F-877D845C7DDC}"/>
-                  </a:ext>
-                </a:extLst>
-              </p:cNvPr>
-              <p:cNvSpPr txBox="1">
-                <a:spLocks noChangeArrowheads="1"/>
-              </p:cNvSpPr>
-              <p:nvPr/>
-            </p:nvSpPr>
-            <p:spPr bwMode="auto">
-              <a:xfrm>
-                <a:off x="1657" y="4271"/>
-                <a:ext cx="1971" cy="358"/>
-              </a:xfrm>
-              <a:prstGeom prst="rect">
-                <a:avLst/>
-              </a:prstGeom>
-              <a:noFill/>
-              <a:ln>
-                <a:noFill/>
-              </a:ln>
-              <a:extLst>
-                <a:ext uri="{909E8E84-426E-40DD-AFC4-6F175D3DCCD1}">
-                  <a14:hiddenFill xmlns:a14="http://schemas.microsoft.com/office/drawing/2010/main">
-                    <a:solidFill>
-                      <a:srgbClr val="FFFFFF"/>
-                    </a:solidFill>
-                  </a14:hiddenFill>
-                </a:ext>
-                <a:ext uri="{91240B29-F687-4F45-9708-019B960494DF}">
-                  <a14:hiddenLine xmlns:a14="http://schemas.microsoft.com/office/drawing/2010/main" w="9525">
-                    <a:solidFill>
-                      <a:srgbClr val="000000"/>
-                    </a:solidFill>
-                    <a:miter lim="800000"/>
-                    <a:headEnd/>
-                    <a:tailEnd/>
-                  </a14:hiddenLine>
-                </a:ext>
-              </a:extLst>
-            </p:spPr>
-            <p:txBody>
-              <a:bodyPr>
-                <a:spAutoFit/>
-              </a:bodyPr>
-              <a:lstStyle>
-                <a:lvl1pPr>
-                  <a:spcBef>
-                    <a:spcPct val="20000"/>
-                  </a:spcBef>
-                  <a:buChar char="•"/>
-                  <a:defRPr sz="3200">
-                    <a:solidFill>
-                      <a:schemeClr val="tx1"/>
-                    </a:solidFill>
-                    <a:latin typeface="Arial" panose="020B0604020202020204" pitchFamily="34" charset="0"/>
-                    <a:cs typeface="Arial" panose="020B0604020202020204" pitchFamily="34" charset="0"/>
-                  </a:defRPr>
-                </a:lvl1pPr>
-                <a:lvl2pPr marL="742950" indent="-285750">
-                  <a:spcBef>
-                    <a:spcPct val="20000"/>
-                  </a:spcBef>
-                  <a:buChar char="–"/>
-                  <a:defRPr sz="2800">
-                    <a:solidFill>
-                      <a:schemeClr val="tx1"/>
-                    </a:solidFill>
-                    <a:latin typeface="Arial" panose="020B0604020202020204" pitchFamily="34" charset="0"/>
-                    <a:cs typeface="Arial" panose="020B0604020202020204" pitchFamily="34" charset="0"/>
-                  </a:defRPr>
-                </a:lvl2pPr>
-                <a:lvl3pPr marL="1143000" indent="-228600">
-                  <a:spcBef>
-                    <a:spcPct val="20000"/>
-                  </a:spcBef>
-                  <a:buChar char="•"/>
-                  <a:defRPr sz="2400">
-                    <a:solidFill>
-                      <a:schemeClr val="tx1"/>
-                    </a:solidFill>
-                    <a:latin typeface="Arial" panose="020B0604020202020204" pitchFamily="34" charset="0"/>
-                    <a:cs typeface="Arial" panose="020B0604020202020204" pitchFamily="34" charset="0"/>
-                  </a:defRPr>
-                </a:lvl3pPr>
-                <a:lvl4pPr marL="1600200" indent="-228600">
-                  <a:spcBef>
-                    <a:spcPct val="20000"/>
-                  </a:spcBef>
-                  <a:buChar char="–"/>
-                  <a:defRPr sz="2000">
-                    <a:solidFill>
-                      <a:schemeClr val="tx1"/>
-                    </a:solidFill>
-                    <a:latin typeface="Arial" panose="020B0604020202020204" pitchFamily="34" charset="0"/>
-                    <a:cs typeface="Arial" panose="020B0604020202020204" pitchFamily="34" charset="0"/>
-                  </a:defRPr>
-                </a:lvl4pPr>
-                <a:lvl5pPr marL="2057400" indent="-228600">
-                  <a:spcBef>
-                    <a:spcPct val="20000"/>
-                  </a:spcBef>
-                  <a:buChar char="»"/>
-                  <a:defRPr sz="2000">
-                    <a:solidFill>
-                      <a:schemeClr val="tx1"/>
-                    </a:solidFill>
-                    <a:latin typeface="Arial" panose="020B0604020202020204" pitchFamily="34" charset="0"/>
-                    <a:cs typeface="Arial" panose="020B0604020202020204" pitchFamily="34" charset="0"/>
-                  </a:defRPr>
-                </a:lvl5pPr>
-                <a:lvl6pPr marL="2514600" indent="-228600" eaLnBrk="0" fontAlgn="base" hangingPunct="0">
-                  <a:spcBef>
-                    <a:spcPct val="20000"/>
-                  </a:spcBef>
-                  <a:spcAft>
-                    <a:spcPct val="0"/>
-                  </a:spcAft>
-                  <a:buChar char="»"/>
-                  <a:defRPr sz="2000">
-                    <a:solidFill>
-                      <a:schemeClr val="tx1"/>
-                    </a:solidFill>
-                    <a:latin typeface="Arial" panose="020B0604020202020204" pitchFamily="34" charset="0"/>
-                    <a:cs typeface="Arial" panose="020B0604020202020204" pitchFamily="34" charset="0"/>
-                  </a:defRPr>
-                </a:lvl6pPr>
-                <a:lvl7pPr marL="2971800" indent="-228600" eaLnBrk="0" fontAlgn="base" hangingPunct="0">
-                  <a:spcBef>
-                    <a:spcPct val="20000"/>
-                  </a:spcBef>
-                  <a:spcAft>
-                    <a:spcPct val="0"/>
-                  </a:spcAft>
-                  <a:buChar char="»"/>
-                  <a:defRPr sz="2000">
-                    <a:solidFill>
-                      <a:schemeClr val="tx1"/>
-                    </a:solidFill>
-                    <a:latin typeface="Arial" panose="020B0604020202020204" pitchFamily="34" charset="0"/>
-                    <a:cs typeface="Arial" panose="020B0604020202020204" pitchFamily="34" charset="0"/>
-                  </a:defRPr>
-                </a:lvl7pPr>
-                <a:lvl8pPr marL="3429000" indent="-228600" eaLnBrk="0" fontAlgn="base" hangingPunct="0">
-                  <a:spcBef>
-                    <a:spcPct val="20000"/>
-                  </a:spcBef>
-                  <a:spcAft>
-                    <a:spcPct val="0"/>
-                  </a:spcAft>
-                  <a:buChar char="»"/>
-                  <a:defRPr sz="2000">
-                    <a:solidFill>
-                      <a:schemeClr val="tx1"/>
-                    </a:solidFill>
-                    <a:latin typeface="Arial" panose="020B0604020202020204" pitchFamily="34" charset="0"/>
-                    <a:cs typeface="Arial" panose="020B0604020202020204" pitchFamily="34" charset="0"/>
-                  </a:defRPr>
-                </a:lvl8pPr>
-                <a:lvl9pPr marL="3886200" indent="-228600" eaLnBrk="0" fontAlgn="base" hangingPunct="0">
-                  <a:spcBef>
-                    <a:spcPct val="20000"/>
-                  </a:spcBef>
-                  <a:spcAft>
-                    <a:spcPct val="0"/>
-                  </a:spcAft>
-                  <a:buChar char="»"/>
-                  <a:defRPr sz="2000">
-                    <a:solidFill>
-                      <a:schemeClr val="tx1"/>
-                    </a:solidFill>
-                    <a:latin typeface="Arial" panose="020B0604020202020204" pitchFamily="34" charset="0"/>
-                    <a:cs typeface="Arial" panose="020B0604020202020204" pitchFamily="34" charset="0"/>
-                  </a:defRPr>
-                </a:lvl9pPr>
-              </a:lstStyle>
-              <a:p>
-                <a:pPr eaLnBrk="1" hangingPunct="1">
-                  <a:spcBef>
-                    <a:spcPct val="50000"/>
-                  </a:spcBef>
-                  <a:buFontTx/>
-                  <a:buNone/>
-                </a:pPr>
-                <a:r>
-                  <a:rPr lang="en-US" altLang="en-US" sz="2000">
-                    <a:solidFill>
-                      <a:srgbClr val="FA8218"/>
-                    </a:solidFill>
-                  </a:rPr>
-                  <a:t>Passing an </a:t>
-                </a:r>
-                <a:r>
-                  <a:rPr lang="en-US" altLang="en-US" sz="2000" b="1">
-                    <a:solidFill>
-                      <a:srgbClr val="FA8218"/>
-                    </a:solidFill>
-                    <a:latin typeface="Courier New" panose="02070309020205020404" pitchFamily="49" charset="0"/>
-                    <a:cs typeface="Courier New" panose="02070309020205020404" pitchFamily="49" charset="0"/>
-                  </a:rPr>
-                  <a:t>int</a:t>
-                </a:r>
-              </a:p>
-            </p:txBody>
-          </p:sp>
-          <p:sp>
-            <p:nvSpPr>
-              <p:cNvPr id="120843" name="Line 8">
-                <a:extLst>
-                  <a:ext uri="{FF2B5EF4-FFF2-40B4-BE49-F238E27FC236}">
-                    <a16:creationId xmlns:a16="http://schemas.microsoft.com/office/drawing/2014/main" id="{DC84A755-4CA5-F8FE-AD91-9FE74A1BF9D4}"/>
-                  </a:ext>
-                </a:extLst>
-              </p:cNvPr>
-              <p:cNvSpPr>
-                <a:spLocks noChangeShapeType="1"/>
-              </p:cNvSpPr>
-              <p:nvPr/>
-            </p:nvSpPr>
-            <p:spPr bwMode="auto">
-              <a:xfrm flipV="1">
-                <a:off x="2312" y="4084"/>
-                <a:ext cx="0" cy="240"/>
-              </a:xfrm>
-              <a:prstGeom prst="line">
-                <a:avLst/>
-              </a:prstGeom>
-              <a:noFill/>
-              <a:ln w="25400">
-                <a:solidFill>
-                  <a:srgbClr val="FA8218"/>
-                </a:solidFill>
-                <a:round/>
-                <a:headEnd/>
-                <a:tailEnd type="triangle" w="med" len="med"/>
-              </a:ln>
-              <a:extLst>
-                <a:ext uri="{909E8E84-426E-40DD-AFC4-6F175D3DCCD1}">
-                  <a14:hiddenFill xmlns:a14="http://schemas.microsoft.com/office/drawing/2010/main">
-                    <a:noFill/>
-                  </a14:hiddenFill>
-                </a:ext>
-              </a:extLst>
-            </p:spPr>
-            <p:txBody>
-              <a:bodyPr>
-                <a:spAutoFit/>
-              </a:bodyPr>
-              <a:lstStyle/>
-              <a:p>
-                <a:endParaRPr lang="en-US"/>
-              </a:p>
-            </p:txBody>
-          </p:sp>
-        </p:grpSp>
-        <p:sp>
-          <p:nvSpPr>
-            <p:cNvPr id="120840" name="Text Box 9">
-              <a:extLst>
-                <a:ext uri="{FF2B5EF4-FFF2-40B4-BE49-F238E27FC236}">
-                  <a16:creationId xmlns:a16="http://schemas.microsoft.com/office/drawing/2014/main" id="{DA27518E-A283-490F-EC74-71CF5E56FC9F}"/>
-                </a:ext>
-              </a:extLst>
-            </p:cNvPr>
-            <p:cNvSpPr txBox="1">
-              <a:spLocks noChangeArrowheads="1"/>
-            </p:cNvSpPr>
-            <p:nvPr/>
-          </p:nvSpPr>
-          <p:spPr bwMode="auto">
-            <a:xfrm>
-              <a:off x="4266" y="3177"/>
-              <a:ext cx="2081" cy="301"/>
-            </a:xfrm>
-            <a:prstGeom prst="rect">
-              <a:avLst/>
-            </a:prstGeom>
-            <a:noFill/>
-            <a:ln>
-              <a:noFill/>
-            </a:ln>
-            <a:extLst>
-              <a:ext uri="{909E8E84-426E-40DD-AFC4-6F175D3DCCD1}">
-                <a14:hiddenFill xmlns:a14="http://schemas.microsoft.com/office/drawing/2010/main">
-                  <a:solidFill>
-                    <a:srgbClr val="FFFFFF"/>
-                  </a:solidFill>
-                </a14:hiddenFill>
-              </a:ext>
-              <a:ext uri="{91240B29-F687-4F45-9708-019B960494DF}">
-                <a14:hiddenLine xmlns:a14="http://schemas.microsoft.com/office/drawing/2010/main" w="9525">
-                  <a:solidFill>
-                    <a:srgbClr val="000000"/>
-                  </a:solidFill>
-                  <a:miter lim="800000"/>
-                  <a:headEnd/>
-                  <a:tailEnd/>
-                </a14:hiddenLine>
-              </a:ext>
-            </a:extLst>
-          </p:spPr>
-          <p:txBody>
-            <a:bodyPr>
-              <a:spAutoFit/>
-            </a:bodyPr>
-            <a:lstStyle>
-              <a:lvl1pPr>
-                <a:spcBef>
-                  <a:spcPct val="20000"/>
-                </a:spcBef>
-                <a:buChar char="•"/>
-                <a:defRPr sz="3200">
-                  <a:solidFill>
-                    <a:schemeClr val="tx1"/>
-                  </a:solidFill>
-                  <a:latin typeface="Arial" panose="020B0604020202020204" pitchFamily="34" charset="0"/>
-                  <a:cs typeface="Arial" panose="020B0604020202020204" pitchFamily="34" charset="0"/>
-                </a:defRPr>
-              </a:lvl1pPr>
-              <a:lvl2pPr marL="742950" indent="-285750">
-                <a:spcBef>
-                  <a:spcPct val="20000"/>
-                </a:spcBef>
-                <a:buChar char="–"/>
-                <a:defRPr sz="2800">
-                  <a:solidFill>
-                    <a:schemeClr val="tx1"/>
-                  </a:solidFill>
-                  <a:latin typeface="Arial" panose="020B0604020202020204" pitchFamily="34" charset="0"/>
-                  <a:cs typeface="Arial" panose="020B0604020202020204" pitchFamily="34" charset="0"/>
-                </a:defRPr>
-              </a:lvl2pPr>
-              <a:lvl3pPr marL="1143000" indent="-228600">
-                <a:spcBef>
-                  <a:spcPct val="20000"/>
-                </a:spcBef>
-                <a:buChar char="•"/>
-                <a:defRPr sz="2400">
-                  <a:solidFill>
-                    <a:schemeClr val="tx1"/>
-                  </a:solidFill>
-                  <a:latin typeface="Arial" panose="020B0604020202020204" pitchFamily="34" charset="0"/>
-                  <a:cs typeface="Arial" panose="020B0604020202020204" pitchFamily="34" charset="0"/>
-                </a:defRPr>
-              </a:lvl3pPr>
-              <a:lvl4pPr marL="1600200" indent="-228600">
-                <a:spcBef>
-                  <a:spcPct val="20000"/>
-                </a:spcBef>
-                <a:buChar char="–"/>
-                <a:defRPr sz="2000">
-                  <a:solidFill>
-                    <a:schemeClr val="tx1"/>
-                  </a:solidFill>
-                  <a:latin typeface="Arial" panose="020B0604020202020204" pitchFamily="34" charset="0"/>
-                  <a:cs typeface="Arial" panose="020B0604020202020204" pitchFamily="34" charset="0"/>
-                </a:defRPr>
-              </a:lvl4pPr>
-              <a:lvl5pPr marL="2057400" indent="-228600">
-                <a:spcBef>
-                  <a:spcPct val="20000"/>
-                </a:spcBef>
-                <a:buChar char="»"/>
-                <a:defRPr sz="2000">
-                  <a:solidFill>
-                    <a:schemeClr val="tx1"/>
-                  </a:solidFill>
-                  <a:latin typeface="Arial" panose="020B0604020202020204" pitchFamily="34" charset="0"/>
-                  <a:cs typeface="Arial" panose="020B0604020202020204" pitchFamily="34" charset="0"/>
-                </a:defRPr>
-              </a:lvl5pPr>
-              <a:lvl6pPr marL="2514600" indent="-228600" eaLnBrk="0" fontAlgn="base" hangingPunct="0">
-                <a:spcBef>
-                  <a:spcPct val="20000"/>
-                </a:spcBef>
-                <a:spcAft>
-                  <a:spcPct val="0"/>
-                </a:spcAft>
-                <a:buChar char="»"/>
-                <a:defRPr sz="2000">
-                  <a:solidFill>
-                    <a:schemeClr val="tx1"/>
-                  </a:solidFill>
-                  <a:latin typeface="Arial" panose="020B0604020202020204" pitchFamily="34" charset="0"/>
-                  <a:cs typeface="Arial" panose="020B0604020202020204" pitchFamily="34" charset="0"/>
-                </a:defRPr>
-              </a:lvl6pPr>
-              <a:lvl7pPr marL="2971800" indent="-228600" eaLnBrk="0" fontAlgn="base" hangingPunct="0">
-                <a:spcBef>
-                  <a:spcPct val="20000"/>
-                </a:spcBef>
-                <a:spcAft>
-                  <a:spcPct val="0"/>
-                </a:spcAft>
-                <a:buChar char="»"/>
-                <a:defRPr sz="2000">
-                  <a:solidFill>
-                    <a:schemeClr val="tx1"/>
-                  </a:solidFill>
-                  <a:latin typeface="Arial" panose="020B0604020202020204" pitchFamily="34" charset="0"/>
-                  <a:cs typeface="Arial" panose="020B0604020202020204" pitchFamily="34" charset="0"/>
-                </a:defRPr>
-              </a:lvl7pPr>
-              <a:lvl8pPr marL="3429000" indent="-228600" eaLnBrk="0" fontAlgn="base" hangingPunct="0">
-                <a:spcBef>
-                  <a:spcPct val="20000"/>
-                </a:spcBef>
-                <a:spcAft>
-                  <a:spcPct val="0"/>
-                </a:spcAft>
-                <a:buChar char="»"/>
-                <a:defRPr sz="2000">
-                  <a:solidFill>
-                    <a:schemeClr val="tx1"/>
-                  </a:solidFill>
-                  <a:latin typeface="Arial" panose="020B0604020202020204" pitchFamily="34" charset="0"/>
-                  <a:cs typeface="Arial" panose="020B0604020202020204" pitchFamily="34" charset="0"/>
-                </a:defRPr>
-              </a:lvl8pPr>
-              <a:lvl9pPr marL="3886200" indent="-228600" eaLnBrk="0" fontAlgn="base" hangingPunct="0">
-                <a:spcBef>
-                  <a:spcPct val="20000"/>
-                </a:spcBef>
-                <a:spcAft>
-                  <a:spcPct val="0"/>
-                </a:spcAft>
-                <a:buChar char="»"/>
-                <a:defRPr sz="2000">
-                  <a:solidFill>
-                    <a:schemeClr val="tx1"/>
-                  </a:solidFill>
-                  <a:latin typeface="Arial" panose="020B0604020202020204" pitchFamily="34" charset="0"/>
-                  <a:cs typeface="Arial" panose="020B0604020202020204" pitchFamily="34" charset="0"/>
-                </a:defRPr>
-              </a:lvl9pPr>
-            </a:lstStyle>
-            <a:p>
-              <a:pPr eaLnBrk="1" hangingPunct="1">
-                <a:spcBef>
-                  <a:spcPct val="50000"/>
-                </a:spcBef>
-                <a:buFontTx/>
-                <a:buNone/>
-              </a:pPr>
-              <a:r>
-                <a:rPr lang="en-US" altLang="en-US" sz="2000">
-                  <a:solidFill>
-                    <a:srgbClr val="FA8218"/>
-                  </a:solidFill>
-                </a:rPr>
-                <a:t>Passing a </a:t>
-              </a:r>
-              <a:r>
-                <a:rPr lang="en-US" altLang="en-US" sz="2000" b="1">
-                  <a:solidFill>
-                    <a:srgbClr val="FA8218"/>
-                  </a:solidFill>
-                  <a:latin typeface="Courier New" panose="02070309020205020404" pitchFamily="49" charset="0"/>
-                  <a:cs typeface="Courier New" panose="02070309020205020404" pitchFamily="49" charset="0"/>
-                </a:rPr>
-                <a:t>double</a:t>
-              </a:r>
-            </a:p>
-          </p:txBody>
-        </p:sp>
-        <p:sp>
-          <p:nvSpPr>
-            <p:cNvPr id="120841" name="Line 10">
-              <a:extLst>
-                <a:ext uri="{FF2B5EF4-FFF2-40B4-BE49-F238E27FC236}">
-                  <a16:creationId xmlns:a16="http://schemas.microsoft.com/office/drawing/2014/main" id="{8AC5DB84-5315-FC58-DEBD-C213E1732C31}"/>
-                </a:ext>
-              </a:extLst>
-            </p:cNvPr>
-            <p:cNvSpPr>
-              <a:spLocks noChangeShapeType="1"/>
-            </p:cNvSpPr>
-            <p:nvPr/>
-          </p:nvSpPr>
-          <p:spPr bwMode="auto">
-            <a:xfrm flipH="1">
-              <a:off x="4908" y="3465"/>
-              <a:ext cx="127" cy="240"/>
-            </a:xfrm>
-            <a:prstGeom prst="line">
-              <a:avLst/>
-            </a:prstGeom>
-            <a:noFill/>
-            <a:ln w="25400">
-              <a:solidFill>
-                <a:srgbClr val="FA8218"/>
-              </a:solidFill>
-              <a:round/>
-              <a:headEnd/>
-              <a:tailEnd type="triangle" w="med" len="med"/>
-            </a:ln>
-            <a:extLst>
-              <a:ext uri="{909E8E84-426E-40DD-AFC4-6F175D3DCCD1}">
-                <a14:hiddenFill xmlns:a14="http://schemas.microsoft.com/office/drawing/2010/main">
-                  <a:noFill/>
-                </a14:hiddenFill>
-              </a:ext>
-            </a:extLst>
-          </p:spPr>
-          <p:txBody>
-            <a:bodyPr>
-              <a:spAutoFit/>
-            </a:bodyPr>
-            <a:lstStyle/>
-            <a:p>
-              <a:endParaRPr lang="en-US"/>
-            </a:p>
-          </p:txBody>
-        </p:sp>
-      </p:grpSp>
-      <p:sp>
-        <p:nvSpPr>
-          <p:cNvPr id="120836" name="Text Box 3">
-            <a:extLst>
-              <a:ext uri="{FF2B5EF4-FFF2-40B4-BE49-F238E27FC236}">
-                <a16:creationId xmlns:a16="http://schemas.microsoft.com/office/drawing/2014/main" id="{981CD7BA-F7AB-3491-AE8B-F3B65FB044BB}"/>
-              </a:ext>
-            </a:extLst>
-          </p:cNvPr>
-          <p:cNvSpPr txBox="1">
-            <a:spLocks noChangeArrowheads="1"/>
-          </p:cNvSpPr>
-          <p:nvPr/>
-        </p:nvSpPr>
-        <p:spPr bwMode="auto">
-          <a:xfrm>
-            <a:off x="6281738" y="6102350"/>
-            <a:ext cx="2517775" cy="369888"/>
-          </a:xfrm>
-          <a:prstGeom prst="rect">
-            <a:avLst/>
-          </a:prstGeom>
-          <a:noFill/>
-          <a:ln>
-            <a:noFill/>
-          </a:ln>
-          <a:extLst>
-            <a:ext uri="{909E8E84-426E-40DD-AFC4-6F175D3DCCD1}">
-              <a14:hiddenFill xmlns:a14="http://schemas.microsoft.com/office/drawing/2010/main">
-                <a:solidFill>
-                  <a:srgbClr val="FFFFFF"/>
-                </a:solidFill>
-              </a14:hiddenFill>
-            </a:ext>
-            <a:ext uri="{91240B29-F687-4F45-9708-019B960494DF}">
-              <a14:hiddenLine xmlns:a14="http://schemas.microsoft.com/office/drawing/2010/main" w="9525">
-                <a:solidFill>
-                  <a:srgbClr val="000000"/>
-                </a:solidFill>
-                <a:miter lim="800000"/>
-                <a:headEnd/>
-                <a:tailEnd/>
-              </a14:hiddenLine>
-            </a:ext>
-          </a:extLst>
-        </p:spPr>
-        <p:txBody>
-          <a:bodyPr>
-            <a:spAutoFit/>
-          </a:bodyPr>
-          <a:lstStyle>
-            <a:lvl1pPr marL="342900" indent="-342900">
-              <a:spcBef>
-                <a:spcPct val="20000"/>
-              </a:spcBef>
-              <a:buChar char="•"/>
-              <a:defRPr sz="3200">
-                <a:solidFill>
-                  <a:schemeClr val="tx1"/>
-                </a:solidFill>
-                <a:latin typeface="Arial" panose="020B0604020202020204" pitchFamily="34" charset="0"/>
-                <a:cs typeface="Arial" panose="020B0604020202020204" pitchFamily="34" charset="0"/>
-              </a:defRPr>
-            </a:lvl1pPr>
-            <a:lvl2pPr marL="742950" indent="-285750">
-              <a:spcBef>
-                <a:spcPct val="20000"/>
-              </a:spcBef>
-              <a:buChar char="–"/>
-              <a:defRPr sz="2800">
-                <a:solidFill>
-                  <a:schemeClr val="tx1"/>
-                </a:solidFill>
-                <a:latin typeface="Arial" panose="020B0604020202020204" pitchFamily="34" charset="0"/>
-                <a:cs typeface="Arial" panose="020B0604020202020204" pitchFamily="34" charset="0"/>
-              </a:defRPr>
-            </a:lvl2pPr>
-            <a:lvl3pPr marL="1143000" indent="-228600">
-              <a:spcBef>
-                <a:spcPct val="20000"/>
-              </a:spcBef>
-              <a:buChar char="•"/>
-              <a:defRPr sz="2400">
-                <a:solidFill>
-                  <a:schemeClr val="tx1"/>
-                </a:solidFill>
-                <a:latin typeface="Arial" panose="020B0604020202020204" pitchFamily="34" charset="0"/>
-                <a:cs typeface="Arial" panose="020B0604020202020204" pitchFamily="34" charset="0"/>
-              </a:defRPr>
-            </a:lvl3pPr>
-            <a:lvl4pPr marL="1600200" indent="-228600">
-              <a:spcBef>
-                <a:spcPct val="20000"/>
-              </a:spcBef>
-              <a:buChar char="–"/>
-              <a:defRPr sz="2000">
-                <a:solidFill>
-                  <a:schemeClr val="tx1"/>
-                </a:solidFill>
-                <a:latin typeface="Arial" panose="020B0604020202020204" pitchFamily="34" charset="0"/>
-                <a:cs typeface="Arial" panose="020B0604020202020204" pitchFamily="34" charset="0"/>
-              </a:defRPr>
-            </a:lvl4pPr>
-            <a:lvl5pPr marL="2057400" indent="-228600">
-              <a:spcBef>
-                <a:spcPct val="20000"/>
-              </a:spcBef>
-              <a:buChar char="»"/>
-              <a:defRPr sz="2000">
-                <a:solidFill>
-                  <a:schemeClr val="tx1"/>
-                </a:solidFill>
-                <a:latin typeface="Arial" panose="020B0604020202020204" pitchFamily="34" charset="0"/>
-                <a:cs typeface="Arial" panose="020B0604020202020204" pitchFamily="34" charset="0"/>
-              </a:defRPr>
-            </a:lvl5pPr>
-            <a:lvl6pPr marL="2514600" indent="-228600" eaLnBrk="0" fontAlgn="base" hangingPunct="0">
-              <a:spcBef>
-                <a:spcPct val="20000"/>
-              </a:spcBef>
-              <a:spcAft>
-                <a:spcPct val="0"/>
-              </a:spcAft>
-              <a:buChar char="»"/>
-              <a:defRPr sz="2000">
-                <a:solidFill>
-                  <a:schemeClr val="tx1"/>
-                </a:solidFill>
-                <a:latin typeface="Arial" panose="020B0604020202020204" pitchFamily="34" charset="0"/>
-                <a:cs typeface="Arial" panose="020B0604020202020204" pitchFamily="34" charset="0"/>
-              </a:defRPr>
-            </a:lvl6pPr>
-            <a:lvl7pPr marL="2971800" indent="-228600" eaLnBrk="0" fontAlgn="base" hangingPunct="0">
-              <a:spcBef>
-                <a:spcPct val="20000"/>
-              </a:spcBef>
-              <a:spcAft>
-                <a:spcPct val="0"/>
-              </a:spcAft>
-              <a:buChar char="»"/>
-              <a:defRPr sz="2000">
-                <a:solidFill>
-                  <a:schemeClr val="tx1"/>
-                </a:solidFill>
-                <a:latin typeface="Arial" panose="020B0604020202020204" pitchFamily="34" charset="0"/>
-                <a:cs typeface="Arial" panose="020B0604020202020204" pitchFamily="34" charset="0"/>
-              </a:defRPr>
-            </a:lvl7pPr>
-            <a:lvl8pPr marL="3429000" indent="-228600" eaLnBrk="0" fontAlgn="base" hangingPunct="0">
-              <a:spcBef>
-                <a:spcPct val="20000"/>
-              </a:spcBef>
-              <a:spcAft>
-                <a:spcPct val="0"/>
-              </a:spcAft>
-              <a:buChar char="»"/>
-              <a:defRPr sz="2000">
-                <a:solidFill>
-                  <a:schemeClr val="tx1"/>
-                </a:solidFill>
-                <a:latin typeface="Arial" panose="020B0604020202020204" pitchFamily="34" charset="0"/>
-                <a:cs typeface="Arial" panose="020B0604020202020204" pitchFamily="34" charset="0"/>
-              </a:defRPr>
-            </a:lvl8pPr>
-            <a:lvl9pPr marL="3886200" indent="-228600" eaLnBrk="0" fontAlgn="base" hangingPunct="0">
-              <a:spcBef>
-                <a:spcPct val="20000"/>
-              </a:spcBef>
-              <a:spcAft>
-                <a:spcPct val="0"/>
-              </a:spcAft>
-              <a:buChar char="»"/>
-              <a:defRPr sz="2000">
-                <a:solidFill>
-                  <a:schemeClr val="tx1"/>
-                </a:solidFill>
-                <a:latin typeface="Arial" panose="020B0604020202020204" pitchFamily="34" charset="0"/>
-                <a:cs typeface="Arial" panose="020B0604020202020204" pitchFamily="34" charset="0"/>
-              </a:defRPr>
-            </a:lvl9pPr>
-          </a:lstStyle>
-          <a:p>
-            <a:pPr eaLnBrk="1" hangingPunct="1">
-              <a:spcBef>
-                <a:spcPct val="50000"/>
-              </a:spcBef>
-              <a:buFontTx/>
-              <a:buNone/>
-            </a:pPr>
-            <a:r>
-              <a:rPr lang="en-US" altLang="en-US" sz="1800" i="1"/>
-              <a:t>(Program Continues)</a:t>
-            </a:r>
-          </a:p>
-        </p:txBody>
-      </p:sp>
-      <p:sp>
-        <p:nvSpPr>
-          <p:cNvPr id="120837" name="Title 1">
-            <a:extLst>
-              <a:ext uri="{FF2B5EF4-FFF2-40B4-BE49-F238E27FC236}">
-                <a16:creationId xmlns:a16="http://schemas.microsoft.com/office/drawing/2014/main" id="{6D7B63E1-5F0D-84CE-2625-8734318083B3}"/>
-              </a:ext>
-            </a:extLst>
-          </p:cNvPr>
           <p:cNvSpPr>
             <a:spLocks noGrp="1" noChangeArrowheads="1"/>
           </p:cNvSpPr>
           <p:nvPr>
-            <p:ph type="title"/>
+            <p:ph type="ctrTitle"/>
           </p:nvPr>
         </p:nvSpPr>
         <p:spPr/>
@@ -25099,9 +24111,50 @@
           <a:lstStyle/>
           <a:p>
             <a:r>
-              <a:rPr lang="en-US" altLang="en-US" sz="3600"/>
-              <a:t>Function Overloading</a:t>
-            </a:r>
+              <a:rPr lang="en-US" altLang="en-US"/>
+              <a:t>6.15</a:t>
+            </a:r>
+          </a:p>
+        </p:txBody>
+      </p:sp>
+      <p:sp>
+        <p:nvSpPr>
+          <p:cNvPr id="122883" name="Subtitle 2">
+            <a:extLst>
+              <a:ext uri="{FF2B5EF4-FFF2-40B4-BE49-F238E27FC236}">
+                <a16:creationId xmlns:a16="http://schemas.microsoft.com/office/drawing/2014/main" id="{7373FE8B-AF9C-CF04-CB98-F343BF4B74DA}"/>
+              </a:ext>
+            </a:extLst>
+          </p:cNvPr>
+          <p:cNvSpPr>
+            <a:spLocks noGrp="1" noChangeArrowheads="1"/>
+          </p:cNvSpPr>
+          <p:nvPr>
+            <p:ph type="subTitle" idx="1"/>
+          </p:nvPr>
+        </p:nvSpPr>
+        <p:spPr/>
+        <p:txBody>
+          <a:bodyPr/>
+          <a:lstStyle/>
+          <a:p>
+            <a:r>
+              <a:rPr lang="en-US" altLang="en-US"/>
+              <a:t>The </a:t>
+            </a:r>
+            <a:r>
+              <a:rPr lang="en-US" altLang="en-US">
+                <a:latin typeface="Courier New" panose="02070309020205020404" pitchFamily="49" charset="0"/>
+              </a:rPr>
+              <a:t>exit()</a:t>
+            </a:r>
+            <a:r>
+              <a:rPr lang="en-US" altLang="en-US"/>
+              <a:t> Function</a:t>
+            </a:r>
+          </a:p>
+          <a:p>
+            <a:endParaRPr lang="en-US" altLang="en-US"/>
           </a:p>
         </p:txBody>
       </p:sp>
@@ -25110,7 +24163,6 @@
   <p:clrMapOvr>
     <a:masterClrMapping/>
   </p:clrMapOvr>
-  <p:transition spd="med"/>
 </p:sld>
 </file>
 
@@ -25133,10 +24185,10 @@
       </p:grpSpPr>
       <p:sp>
         <p:nvSpPr>
-          <p:cNvPr id="121858" name="Title 1">
+          <p:cNvPr id="123906" name="Rectangle 2">
             <a:extLst>
               <a:ext uri="{FF2B5EF4-FFF2-40B4-BE49-F238E27FC236}">
-                <a16:creationId xmlns:a16="http://schemas.microsoft.com/office/drawing/2014/main" id="{1648B45A-85A9-F83C-9E4E-9E839519A59F}"/>
+                <a16:creationId xmlns:a16="http://schemas.microsoft.com/office/drawing/2014/main" id="{36E46C88-8783-1393-6757-7D66E3436356}"/>
               </a:ext>
             </a:extLst>
           </p:cNvPr>
@@ -25153,72 +24205,94 @@
           <a:lstStyle/>
           <a:p>
             <a:r>
-              <a:rPr lang="en-US" altLang="en-US" sz="3600"/>
-              <a:t>Function Overloading</a:t>
-            </a:r>
-          </a:p>
-        </p:txBody>
-      </p:sp>
-      <p:pic>
-        <p:nvPicPr>
-          <p:cNvPr id="121859" name="Picture 1">
+              <a:rPr lang="en-US" altLang="en-US"/>
+              <a:t>The </a:t>
+            </a:r>
+            <a:r>
+              <a:rPr lang="en-US" altLang="en-US">
+                <a:latin typeface="Courier New" panose="02070309020205020404" pitchFamily="49" charset="0"/>
+              </a:rPr>
+              <a:t>exit()</a:t>
+            </a:r>
+            <a:r>
+              <a:rPr lang="en-US" altLang="en-US"/>
+              <a:t> Function</a:t>
+            </a:r>
+          </a:p>
+        </p:txBody>
+      </p:sp>
+      <p:sp>
+        <p:nvSpPr>
+          <p:cNvPr id="123907" name="Rectangle 3">
             <a:extLst>
               <a:ext uri="{FF2B5EF4-FFF2-40B4-BE49-F238E27FC236}">
-                <a16:creationId xmlns:a16="http://schemas.microsoft.com/office/drawing/2014/main" id="{FE0548B0-681D-3ED8-504E-02C8CD211DE2}"/>
+                <a16:creationId xmlns:a16="http://schemas.microsoft.com/office/drawing/2014/main" id="{71DC9A9D-94C7-5753-DC99-EEC44A8B20D1}"/>
               </a:ext>
             </a:extLst>
           </p:cNvPr>
-          <p:cNvPicPr>
-            <a:picLocks noChangeAspect="1" noChangeArrowheads="1"/>
-          </p:cNvPicPr>
-          <p:nvPr/>
-        </p:nvPicPr>
-        <p:blipFill>
-          <a:blip r:embed="rId2">
-            <a:extLst>
-              <a:ext uri="{28A0092B-C50C-407E-A947-70E740481C1C}">
-                <a14:useLocalDpi xmlns:a14="http://schemas.microsoft.com/office/drawing/2010/main" val="0"/>
-              </a:ext>
-            </a:extLst>
-          </a:blip>
-          <a:srcRect/>
-          <a:stretch>
-            <a:fillRect/>
-          </a:stretch>
-        </p:blipFill>
-        <p:spPr bwMode="auto">
-          <a:xfrm>
-            <a:off x="685800" y="1143000"/>
-            <a:ext cx="6629400" cy="5110163"/>
-          </a:xfrm>
-          <a:prstGeom prst="rect">
-            <a:avLst/>
-          </a:prstGeom>
-          <a:noFill/>
-          <a:ln>
-            <a:noFill/>
-          </a:ln>
-          <a:extLst>
-            <a:ext uri="{909E8E84-426E-40DD-AFC4-6F175D3DCCD1}">
-              <a14:hiddenFill xmlns:a14="http://schemas.microsoft.com/office/drawing/2010/main">
-                <a:solidFill>
-                  <a:srgbClr val="FFFFFF"/>
-                </a:solidFill>
-              </a14:hiddenFill>
-            </a:ext>
-            <a:ext uri="{91240B29-F687-4F45-9708-019B960494DF}">
-              <a14:hiddenLine xmlns:a14="http://schemas.microsoft.com/office/drawing/2010/main" w="9525">
-                <a:solidFill>
-                  <a:srgbClr val="000000"/>
-                </a:solidFill>
-                <a:miter lim="800000"/>
-                <a:headEnd/>
-                <a:tailEnd/>
-              </a14:hiddenLine>
-            </a:ext>
-          </a:extLst>
-        </p:spPr>
-      </p:pic>
+          <p:cNvSpPr>
+            <a:spLocks noGrp="1" noChangeArrowheads="1"/>
+          </p:cNvSpPr>
+          <p:nvPr>
+            <p:ph idx="1"/>
+          </p:nvPr>
+        </p:nvSpPr>
+        <p:spPr/>
+        <p:txBody>
+          <a:bodyPr/>
+          <a:lstStyle/>
+          <a:p>
+            <a:r>
+              <a:rPr lang="en-US" altLang="en-US" dirty="0"/>
+              <a:t>Terminates the execution of a program</a:t>
+            </a:r>
+          </a:p>
+          <a:p>
+            <a:r>
+              <a:rPr lang="en-US" altLang="en-US" dirty="0"/>
+              <a:t>Can be called from any function</a:t>
+            </a:r>
+          </a:p>
+          <a:p>
+            <a:r>
+              <a:rPr lang="en-US" altLang="en-US" dirty="0"/>
+              <a:t>Can pass an </a:t>
+            </a:r>
+            <a:r>
+              <a:rPr lang="en-US" altLang="en-US" dirty="0">
+                <a:latin typeface="Courier New" panose="02070309020205020404" pitchFamily="49" charset="0"/>
+              </a:rPr>
+              <a:t>int</a:t>
+            </a:r>
+            <a:r>
+              <a:rPr lang="en-US" altLang="en-US" dirty="0"/>
+              <a:t> value to operating system to indicate status of program termination</a:t>
+            </a:r>
+          </a:p>
+          <a:p>
+            <a:r>
+              <a:rPr lang="en-US" altLang="en-US" dirty="0"/>
+              <a:t>Usually used for abnormal termination of program</a:t>
+            </a:r>
+          </a:p>
+          <a:p>
+            <a:r>
+              <a:rPr lang="en-US" altLang="en-US" dirty="0"/>
+              <a:t>Requires </a:t>
+            </a:r>
+            <a:r>
+              <a:rPr lang="en-US" altLang="en-US" dirty="0" err="1">
+                <a:latin typeface="Courier New" panose="02070309020205020404" pitchFamily="49" charset="0"/>
+              </a:rPr>
+              <a:t>cstdlib</a:t>
+            </a:r>
+            <a:r>
+              <a:rPr lang="en-US" altLang="en-US" dirty="0"/>
+              <a:t> header file</a:t>
+            </a:r>
+          </a:p>
+        </p:txBody>
+      </p:sp>
     </p:spTree>
   </p:cSld>
   <p:clrMapOvr>
@@ -25247,10 +24321,10 @@
       </p:grpSpPr>
       <p:sp>
         <p:nvSpPr>
-          <p:cNvPr id="122882" name="Title 1">
+          <p:cNvPr id="125954" name="Rectangle 2">
             <a:extLst>
               <a:ext uri="{FF2B5EF4-FFF2-40B4-BE49-F238E27FC236}">
-                <a16:creationId xmlns:a16="http://schemas.microsoft.com/office/drawing/2014/main" id="{D11508BC-7713-91B6-A047-DFB3BEA909DF}"/>
+                <a16:creationId xmlns:a16="http://schemas.microsoft.com/office/drawing/2014/main" id="{6287A28E-8B71-489E-93B4-DCED152EDB3D}"/>
               </a:ext>
             </a:extLst>
           </p:cNvPr>
@@ -25258,35 +24332,7 @@
             <a:spLocks noGrp="1" noChangeArrowheads="1"/>
           </p:cNvSpPr>
           <p:nvPr>
-            <p:ph type="ctrTitle"/>
-          </p:nvPr>
-        </p:nvSpPr>
-        <p:spPr/>
-        <p:txBody>
-          <a:bodyPr/>
-          <a:lstStyle/>
-          <a:p>
-            <a:r>
-              <a:rPr lang="en-US" altLang="en-US"/>
-              <a:t>6.15</a:t>
-            </a:r>
-          </a:p>
-        </p:txBody>
-      </p:sp>
-      <p:sp>
-        <p:nvSpPr>
-          <p:cNvPr id="122883" name="Subtitle 2">
-            <a:extLst>
-              <a:ext uri="{FF2B5EF4-FFF2-40B4-BE49-F238E27FC236}">
-                <a16:creationId xmlns:a16="http://schemas.microsoft.com/office/drawing/2014/main" id="{7373FE8B-AF9C-CF04-CB98-F343BF4B74DA}"/>
-              </a:ext>
-            </a:extLst>
-          </p:cNvPr>
-          <p:cNvSpPr>
-            <a:spLocks noGrp="1" noChangeArrowheads="1"/>
-          </p:cNvSpPr>
-          <p:nvPr>
-            <p:ph type="subTitle" idx="1"/>
+            <p:ph type="title"/>
           </p:nvPr>
         </p:nvSpPr>
         <p:spPr/>
@@ -25309,8 +24355,132 @@
               <a:t> Function</a:t>
             </a:r>
           </a:p>
-          <a:p>
-            <a:endParaRPr lang="en-US" altLang="en-US"/>
+        </p:txBody>
+      </p:sp>
+      <p:sp>
+        <p:nvSpPr>
+          <p:cNvPr id="125955" name="Rectangle 3">
+            <a:extLst>
+              <a:ext uri="{FF2B5EF4-FFF2-40B4-BE49-F238E27FC236}">
+                <a16:creationId xmlns:a16="http://schemas.microsoft.com/office/drawing/2014/main" id="{4B3EBF80-C777-7243-D6A0-9DED30CBDAF6}"/>
+              </a:ext>
+            </a:extLst>
+          </p:cNvPr>
+          <p:cNvSpPr>
+            <a:spLocks noGrp="1" noChangeArrowheads="1"/>
+          </p:cNvSpPr>
+          <p:nvPr>
+            <p:ph idx="1"/>
+          </p:nvPr>
+        </p:nvSpPr>
+        <p:spPr/>
+        <p:txBody>
+          <a:bodyPr/>
+          <a:lstStyle/>
+          <a:p>
+            <a:r>
+              <a:rPr lang="en-US" altLang="en-US" dirty="0"/>
+              <a:t>Example:</a:t>
+            </a:r>
+            <a:br>
+              <a:rPr lang="en-US" altLang="en-US" dirty="0"/>
+            </a:br>
+            <a:r>
+              <a:rPr lang="en-US" altLang="en-US" dirty="0">
+                <a:latin typeface="Courier New" panose="02070309020205020404" pitchFamily="49" charset="0"/>
+              </a:rPr>
+              <a:t>    exit(0);</a:t>
+            </a:r>
+            <a:br>
+              <a:rPr lang="en-US" altLang="en-US" dirty="0"/>
+            </a:br>
+            <a:endParaRPr lang="en-US" altLang="en-US" dirty="0"/>
+          </a:p>
+          <a:p>
+            <a:r>
+              <a:rPr lang="en-US" altLang="en-US" dirty="0"/>
+              <a:t>The </a:t>
+            </a:r>
+            <a:r>
+              <a:rPr lang="en-US" altLang="en-US" dirty="0" err="1">
+                <a:latin typeface="Courier New" panose="02070309020205020404" pitchFamily="49" charset="0"/>
+              </a:rPr>
+              <a:t>cstdlib</a:t>
+            </a:r>
+            <a:r>
+              <a:rPr lang="en-US" altLang="en-US" dirty="0"/>
+              <a:t> header defines two constants that are commonly passed, to indicate success or failure:</a:t>
+            </a:r>
+            <a:br>
+              <a:rPr lang="en-US" altLang="en-US" dirty="0"/>
+            </a:br>
+            <a:r>
+              <a:rPr lang="en-US" altLang="en-US" dirty="0">
+                <a:latin typeface="Courier New" panose="02070309020205020404" pitchFamily="49" charset="0"/>
+              </a:rPr>
+              <a:t> exit(EXIT_SUCCESS);</a:t>
+            </a:r>
+            <a:br>
+              <a:rPr lang="en-US" altLang="en-US" dirty="0">
+                <a:latin typeface="Courier New" panose="02070309020205020404" pitchFamily="49" charset="0"/>
+              </a:rPr>
+            </a:br>
+            <a:r>
+              <a:rPr lang="en-US" altLang="en-US" dirty="0">
+                <a:latin typeface="Courier New" panose="02070309020205020404" pitchFamily="49" charset="0"/>
+              </a:rPr>
+              <a:t> exit(EXIT_FAILURE);</a:t>
+            </a:r>
+          </a:p>
+        </p:txBody>
+      </p:sp>
+      <p:sp>
+        <p:nvSpPr>
+          <p:cNvPr id="2" name="Rectangle: Diagonal Corners Snipped 1">
+            <a:extLst>
+              <a:ext uri="{FF2B5EF4-FFF2-40B4-BE49-F238E27FC236}">
+                <a16:creationId xmlns:a16="http://schemas.microsoft.com/office/drawing/2014/main" id="{23EB8CE2-A822-799C-C46F-443B180B1B42}"/>
+              </a:ext>
+            </a:extLst>
+          </p:cNvPr>
+          <p:cNvSpPr/>
+          <p:nvPr/>
+        </p:nvSpPr>
+        <p:spPr>
+          <a:xfrm>
+            <a:off x="7315200" y="5869094"/>
+            <a:ext cx="1600200" cy="304800"/>
+          </a:xfrm>
+          <a:prstGeom prst="snip2DiagRect">
+            <a:avLst>
+              <a:gd name="adj1" fmla="val 0"/>
+              <a:gd name="adj2" fmla="val 50000"/>
+            </a:avLst>
+          </a:prstGeom>
+        </p:spPr>
+        <p:style>
+          <a:lnRef idx="1">
+            <a:schemeClr val="accent1"/>
+          </a:lnRef>
+          <a:fillRef idx="2">
+            <a:schemeClr val="accent1"/>
+          </a:fillRef>
+          <a:effectRef idx="1">
+            <a:schemeClr val="accent1"/>
+          </a:effectRef>
+          <a:fontRef idx="minor">
+            <a:schemeClr val="dk1"/>
+          </a:fontRef>
+        </p:style>
+        <p:txBody>
+          <a:bodyPr rtlCol="0" anchor="ctr"/>
+          <a:lstStyle/>
+          <a:p>
+            <a:pPr algn="ctr"/>
+            <a:r>
+              <a:rPr lang="en-US" sz="1000" dirty="0"/>
+              <a:t>Pr6-30.cpp</a:t>
+            </a:r>
           </a:p>
         </p:txBody>
       </p:sp>
@@ -25319,6 +24489,7 @@
   <p:clrMapOvr>
     <a:masterClrMapping/>
   </p:clrMapOvr>
+  <p:transition spd="med"/>
 </p:sld>
 </file>
 
@@ -25341,10 +24512,10 @@
       </p:grpSpPr>
       <p:sp>
         <p:nvSpPr>
-          <p:cNvPr id="123906" name="Rectangle 2">
+          <p:cNvPr id="126978" name="Title 1">
             <a:extLst>
               <a:ext uri="{FF2B5EF4-FFF2-40B4-BE49-F238E27FC236}">
-                <a16:creationId xmlns:a16="http://schemas.microsoft.com/office/drawing/2014/main" id="{36E46C88-8783-1393-6757-7D66E3436356}"/>
+                <a16:creationId xmlns:a16="http://schemas.microsoft.com/office/drawing/2014/main" id="{E6CCA666-C99D-4941-B3F8-AB21CBBD6348}"/>
               </a:ext>
             </a:extLst>
           </p:cNvPr>
@@ -25352,7 +24523,7 @@
             <a:spLocks noGrp="1" noChangeArrowheads="1"/>
           </p:cNvSpPr>
           <p:nvPr>
-            <p:ph type="title"/>
+            <p:ph type="ctrTitle"/>
           </p:nvPr>
         </p:nvSpPr>
         <p:spPr/>
@@ -25362,27 +24533,17 @@
           <a:p>
             <a:r>
               <a:rPr lang="en-US" altLang="en-US"/>
-              <a:t>The </a:t>
-            </a:r>
-            <a:r>
-              <a:rPr lang="en-US" altLang="en-US">
-                <a:latin typeface="Courier New" panose="02070309020205020404" pitchFamily="49" charset="0"/>
-              </a:rPr>
-              <a:t>exit()</a:t>
-            </a:r>
-            <a:r>
-              <a:rPr lang="en-US" altLang="en-US"/>
-              <a:t> Function</a:t>
-            </a:r>
-          </a:p>
-        </p:txBody>
-      </p:sp>
-      <p:sp>
-        <p:nvSpPr>
-          <p:cNvPr id="123907" name="Rectangle 3">
+              <a:t>6.16</a:t>
+            </a:r>
+          </a:p>
+        </p:txBody>
+      </p:sp>
+      <p:sp>
+        <p:nvSpPr>
+          <p:cNvPr id="126979" name="Subtitle 2">
             <a:extLst>
               <a:ext uri="{FF2B5EF4-FFF2-40B4-BE49-F238E27FC236}">
-                <a16:creationId xmlns:a16="http://schemas.microsoft.com/office/drawing/2014/main" id="{71DC9A9D-94C7-5753-DC99-EEC44A8B20D1}"/>
+                <a16:creationId xmlns:a16="http://schemas.microsoft.com/office/drawing/2014/main" id="{485CFD8C-570F-851A-5151-79EE79910D8A}"/>
               </a:ext>
             </a:extLst>
           </p:cNvPr>
@@ -25390,7 +24551,7 @@
             <a:spLocks noGrp="1" noChangeArrowheads="1"/>
           </p:cNvSpPr>
           <p:nvPr>
-            <p:ph idx="1"/>
+            <p:ph type="subTitle" idx="1"/>
           </p:nvPr>
         </p:nvSpPr>
         <p:spPr/>
@@ -25398,88 +24559,9 @@
           <a:bodyPr/>
           <a:lstStyle/>
           <a:p>
-            <a:pPr>
-              <a:lnSpc>
-                <a:spcPct val="90000"/>
-              </a:lnSpc>
-              <a:buFontTx/>
-              <a:buChar char="•"/>
-            </a:pPr>
             <a:r>
               <a:rPr lang="en-US" altLang="en-US"/>
-              <a:t>Terminates the execution of a program</a:t>
-            </a:r>
-          </a:p>
-          <a:p>
-            <a:pPr>
-              <a:lnSpc>
-                <a:spcPct val="90000"/>
-              </a:lnSpc>
-              <a:buFontTx/>
-              <a:buChar char="•"/>
-            </a:pPr>
-            <a:r>
-              <a:rPr lang="en-US" altLang="en-US"/>
-              <a:t>Can be called from any function</a:t>
-            </a:r>
-          </a:p>
-          <a:p>
-            <a:pPr>
-              <a:lnSpc>
-                <a:spcPct val="90000"/>
-              </a:lnSpc>
-              <a:buFontTx/>
-              <a:buChar char="•"/>
-            </a:pPr>
-            <a:r>
-              <a:rPr lang="en-US" altLang="en-US"/>
-              <a:t>Can pass an </a:t>
-            </a:r>
-            <a:r>
-              <a:rPr lang="en-US" altLang="en-US">
-                <a:latin typeface="Courier New" panose="02070309020205020404" pitchFamily="49" charset="0"/>
-              </a:rPr>
-              <a:t>int</a:t>
-            </a:r>
-            <a:r>
-              <a:rPr lang="en-US" altLang="en-US"/>
-              <a:t> value to operating system to indicate status of program termination</a:t>
-            </a:r>
-          </a:p>
-          <a:p>
-            <a:pPr>
-              <a:lnSpc>
-                <a:spcPct val="90000"/>
-              </a:lnSpc>
-              <a:buFontTx/>
-              <a:buChar char="•"/>
-            </a:pPr>
-            <a:r>
-              <a:rPr lang="en-US" altLang="en-US"/>
-              <a:t>Usually used for abnormal termination of program</a:t>
-            </a:r>
-          </a:p>
-          <a:p>
-            <a:pPr>
-              <a:lnSpc>
-                <a:spcPct val="90000"/>
-              </a:lnSpc>
-              <a:buFontTx/>
-              <a:buChar char="•"/>
-            </a:pPr>
-            <a:r>
-              <a:rPr lang="en-US" altLang="en-US"/>
-              <a:t>Requires </a:t>
-            </a:r>
-            <a:r>
-              <a:rPr lang="en-US" altLang="en-US">
-                <a:latin typeface="Courier New" panose="02070309020205020404" pitchFamily="49" charset="0"/>
-              </a:rPr>
-              <a:t>cstdlib</a:t>
-            </a:r>
-            <a:r>
-              <a:rPr lang="en-US" altLang="en-US"/>
-              <a:t> header file</a:t>
+              <a:t>Stubs and Drivers</a:t>
             </a:r>
           </a:p>
         </p:txBody>
@@ -25489,7 +24571,6 @@
   <p:clrMapOvr>
     <a:masterClrMapping/>
   </p:clrMapOvr>
-  <p:transition spd="med"/>
 </p:sld>
 </file>
 
@@ -25512,10 +24593,10 @@
       </p:grpSpPr>
       <p:sp>
         <p:nvSpPr>
-          <p:cNvPr id="125954" name="Rectangle 2">
+          <p:cNvPr id="128002" name="Rectangle 2">
             <a:extLst>
               <a:ext uri="{FF2B5EF4-FFF2-40B4-BE49-F238E27FC236}">
-                <a16:creationId xmlns:a16="http://schemas.microsoft.com/office/drawing/2014/main" id="{6287A28E-8B71-489E-93B4-DCED152EDB3D}"/>
+                <a16:creationId xmlns:a16="http://schemas.microsoft.com/office/drawing/2014/main" id="{A34A8869-EB40-CFEA-E052-AC62CA9F002D}"/>
               </a:ext>
             </a:extLst>
           </p:cNvPr>
@@ -25533,27 +24614,17 @@
           <a:p>
             <a:r>
               <a:rPr lang="en-US" altLang="en-US"/>
-              <a:t>The </a:t>
-            </a:r>
-            <a:r>
-              <a:rPr lang="en-US" altLang="en-US">
-                <a:latin typeface="Courier New" panose="02070309020205020404" pitchFamily="49" charset="0"/>
-              </a:rPr>
-              <a:t>exit()</a:t>
-            </a:r>
-            <a:r>
-              <a:rPr lang="en-US" altLang="en-US"/>
-              <a:t> Function</a:t>
-            </a:r>
-          </a:p>
-        </p:txBody>
-      </p:sp>
-      <p:sp>
-        <p:nvSpPr>
-          <p:cNvPr id="125955" name="Rectangle 3">
+              <a:t>Stubs and Drivers</a:t>
+            </a:r>
+          </a:p>
+        </p:txBody>
+      </p:sp>
+      <p:sp>
+        <p:nvSpPr>
+          <p:cNvPr id="128003" name="Rectangle 3">
             <a:extLst>
               <a:ext uri="{FF2B5EF4-FFF2-40B4-BE49-F238E27FC236}">
-                <a16:creationId xmlns:a16="http://schemas.microsoft.com/office/drawing/2014/main" id="{4B3EBF80-C777-7243-D6A0-9DED30CBDAF6}"/>
+                <a16:creationId xmlns:a16="http://schemas.microsoft.com/office/drawing/2014/main" id="{DCBB8307-BF80-F7C2-5149-4709F6E07C2A}"/>
               </a:ext>
             </a:extLst>
           </p:cNvPr>
@@ -25569,298 +24640,44 @@
           <a:bodyPr/>
           <a:lstStyle/>
           <a:p>
-            <a:pPr>
-              <a:buFontTx/>
-              <a:buChar char="•"/>
-            </a:pPr>
-            <a:r>
-              <a:rPr lang="en-US" altLang="en-US"/>
-              <a:t>Example:</a:t>
-            </a:r>
-            <a:br>
-              <a:rPr lang="en-US" altLang="en-US"/>
-            </a:br>
-            <a:r>
-              <a:rPr lang="en-US" altLang="en-US">
-                <a:latin typeface="Courier New" panose="02070309020205020404" pitchFamily="49" charset="0"/>
-              </a:rPr>
-              <a:t>    exit(0);</a:t>
-            </a:r>
-            <a:br>
-              <a:rPr lang="en-US" altLang="en-US"/>
-            </a:br>
-            <a:endParaRPr lang="en-US" altLang="en-US"/>
-          </a:p>
-          <a:p>
-            <a:pPr>
-              <a:buFontTx/>
-              <a:buChar char="•"/>
-            </a:pPr>
-            <a:r>
-              <a:rPr lang="en-US" altLang="en-US"/>
-              <a:t>The </a:t>
-            </a:r>
-            <a:r>
-              <a:rPr lang="en-US" altLang="en-US">
-                <a:latin typeface="Courier New" panose="02070309020205020404" pitchFamily="49" charset="0"/>
-              </a:rPr>
-              <a:t>cstdlib</a:t>
-            </a:r>
-            <a:r>
-              <a:rPr lang="en-US" altLang="en-US"/>
-              <a:t> header defines two constants that are commonly passed, to indicate success or failure:</a:t>
-            </a:r>
-            <a:br>
-              <a:rPr lang="en-US" altLang="en-US"/>
-            </a:br>
-            <a:r>
-              <a:rPr lang="en-US" altLang="en-US">
-                <a:latin typeface="Courier New" panose="02070309020205020404" pitchFamily="49" charset="0"/>
-              </a:rPr>
-              <a:t> exit(EXIT_SUCCESS);</a:t>
-            </a:r>
-            <a:br>
-              <a:rPr lang="en-US" altLang="en-US">
-                <a:latin typeface="Courier New" panose="02070309020205020404" pitchFamily="49" charset="0"/>
-              </a:rPr>
-            </a:br>
-            <a:r>
-              <a:rPr lang="en-US" altLang="en-US">
-                <a:latin typeface="Courier New" panose="02070309020205020404" pitchFamily="49" charset="0"/>
-              </a:rPr>
-              <a:t> exit(EXIT_FAILURE);</a:t>
-            </a:r>
-          </a:p>
-        </p:txBody>
-      </p:sp>
-    </p:spTree>
-  </p:cSld>
-  <p:clrMapOvr>
-    <a:masterClrMapping/>
-  </p:clrMapOvr>
-  <p:transition spd="med"/>
-</p:sld>
-</file>
-
-<file path=ppt/slides/slide65.xml><?xml version="1.0" encoding="utf-8"?>
-<p:sld xmlns:a="http://schemas.openxmlformats.org/drawingml/2006/main" xmlns:r="http://schemas.openxmlformats.org/officeDocument/2006/relationships" xmlns:p="http://schemas.openxmlformats.org/presentationml/2006/main">
-  <p:cSld>
-    <p:spTree>
-      <p:nvGrpSpPr>
-        <p:cNvPr id="1" name=""/>
-        <p:cNvGrpSpPr/>
-        <p:nvPr/>
-      </p:nvGrpSpPr>
-      <p:grpSpPr>
-        <a:xfrm>
-          <a:off x="0" y="0"/>
-          <a:ext cx="0" cy="0"/>
-          <a:chOff x="0" y="0"/>
-          <a:chExt cx="0" cy="0"/>
-        </a:xfrm>
-      </p:grpSpPr>
-      <p:sp>
-        <p:nvSpPr>
-          <p:cNvPr id="126978" name="Title 1">
-            <a:extLst>
-              <a:ext uri="{FF2B5EF4-FFF2-40B4-BE49-F238E27FC236}">
-                <a16:creationId xmlns:a16="http://schemas.microsoft.com/office/drawing/2014/main" id="{E6CCA666-C99D-4941-B3F8-AB21CBBD6348}"/>
-              </a:ext>
-            </a:extLst>
-          </p:cNvPr>
-          <p:cNvSpPr>
-            <a:spLocks noGrp="1" noChangeArrowheads="1"/>
-          </p:cNvSpPr>
-          <p:nvPr>
-            <p:ph type="ctrTitle"/>
-          </p:nvPr>
-        </p:nvSpPr>
-        <p:spPr/>
-        <p:txBody>
-          <a:bodyPr/>
-          <a:lstStyle/>
-          <a:p>
-            <a:r>
-              <a:rPr lang="en-US" altLang="en-US"/>
-              <a:t>6.16</a:t>
-            </a:r>
-          </a:p>
-        </p:txBody>
-      </p:sp>
-      <p:sp>
-        <p:nvSpPr>
-          <p:cNvPr id="126979" name="Subtitle 2">
-            <a:extLst>
-              <a:ext uri="{FF2B5EF4-FFF2-40B4-BE49-F238E27FC236}">
-                <a16:creationId xmlns:a16="http://schemas.microsoft.com/office/drawing/2014/main" id="{485CFD8C-570F-851A-5151-79EE79910D8A}"/>
-              </a:ext>
-            </a:extLst>
-          </p:cNvPr>
-          <p:cNvSpPr>
-            <a:spLocks noGrp="1" noChangeArrowheads="1"/>
-          </p:cNvSpPr>
-          <p:nvPr>
-            <p:ph type="subTitle" idx="1"/>
-          </p:nvPr>
-        </p:nvSpPr>
-        <p:spPr/>
-        <p:txBody>
-          <a:bodyPr/>
-          <a:lstStyle/>
-          <a:p>
-            <a:r>
-              <a:rPr lang="en-US" altLang="en-US"/>
-              <a:t>Stubs and Drivers</a:t>
-            </a:r>
-          </a:p>
-        </p:txBody>
-      </p:sp>
-    </p:spTree>
-  </p:cSld>
-  <p:clrMapOvr>
-    <a:masterClrMapping/>
-  </p:clrMapOvr>
-</p:sld>
-</file>
-
-<file path=ppt/slides/slide66.xml><?xml version="1.0" encoding="utf-8"?>
-<p:sld xmlns:a="http://schemas.openxmlformats.org/drawingml/2006/main" xmlns:r="http://schemas.openxmlformats.org/officeDocument/2006/relationships" xmlns:p="http://schemas.openxmlformats.org/presentationml/2006/main">
-  <p:cSld>
-    <p:spTree>
-      <p:nvGrpSpPr>
-        <p:cNvPr id="1" name=""/>
-        <p:cNvGrpSpPr/>
-        <p:nvPr/>
-      </p:nvGrpSpPr>
-      <p:grpSpPr>
-        <a:xfrm>
-          <a:off x="0" y="0"/>
-          <a:ext cx="0" cy="0"/>
-          <a:chOff x="0" y="0"/>
-          <a:chExt cx="0" cy="0"/>
-        </a:xfrm>
-      </p:grpSpPr>
-      <p:sp>
-        <p:nvSpPr>
-          <p:cNvPr id="128002" name="Rectangle 2">
-            <a:extLst>
-              <a:ext uri="{FF2B5EF4-FFF2-40B4-BE49-F238E27FC236}">
-                <a16:creationId xmlns:a16="http://schemas.microsoft.com/office/drawing/2014/main" id="{A34A8869-EB40-CFEA-E052-AC62CA9F002D}"/>
-              </a:ext>
-            </a:extLst>
-          </p:cNvPr>
-          <p:cNvSpPr>
-            <a:spLocks noGrp="1" noChangeArrowheads="1"/>
-          </p:cNvSpPr>
-          <p:nvPr>
-            <p:ph type="title"/>
-          </p:nvPr>
-        </p:nvSpPr>
-        <p:spPr/>
-        <p:txBody>
-          <a:bodyPr/>
-          <a:lstStyle/>
-          <a:p>
-            <a:r>
-              <a:rPr lang="en-US" altLang="en-US"/>
-              <a:t>Stubs and Drivers</a:t>
-            </a:r>
-          </a:p>
-        </p:txBody>
-      </p:sp>
-      <p:sp>
-        <p:nvSpPr>
-          <p:cNvPr id="128003" name="Rectangle 3">
-            <a:extLst>
-              <a:ext uri="{FF2B5EF4-FFF2-40B4-BE49-F238E27FC236}">
-                <a16:creationId xmlns:a16="http://schemas.microsoft.com/office/drawing/2014/main" id="{DCBB8307-BF80-F7C2-5149-4709F6E07C2A}"/>
-              </a:ext>
-            </a:extLst>
-          </p:cNvPr>
-          <p:cNvSpPr>
-            <a:spLocks noGrp="1" noChangeArrowheads="1"/>
-          </p:cNvSpPr>
-          <p:nvPr>
-            <p:ph idx="1"/>
-          </p:nvPr>
-        </p:nvSpPr>
-        <p:spPr>
-          <a:xfrm>
-            <a:off x="304800" y="1524000"/>
-            <a:ext cx="8001000" cy="4724400"/>
-          </a:xfrm>
-        </p:spPr>
-        <p:txBody>
-          <a:bodyPr/>
-          <a:lstStyle/>
-          <a:p>
-            <a:pPr>
-              <a:lnSpc>
-                <a:spcPct val="90000"/>
-              </a:lnSpc>
-              <a:buFontTx/>
-              <a:buChar char="•"/>
-            </a:pPr>
-            <a:r>
-              <a:rPr lang="en-US" altLang="en-US"/>
+            <a:r>
+              <a:rPr lang="en-US" altLang="en-US" dirty="0"/>
               <a:t>Useful for testing and debugging program and function logic and design</a:t>
             </a:r>
-            <a:endParaRPr lang="en-US" altLang="en-US" u="sng"/>
-          </a:p>
-          <a:p>
-            <a:pPr>
-              <a:lnSpc>
-                <a:spcPct val="90000"/>
-              </a:lnSpc>
-              <a:buFontTx/>
-              <a:buChar char="•"/>
-            </a:pPr>
-            <a:r>
-              <a:rPr lang="en-US" altLang="en-US" u="sng"/>
+            <a:endParaRPr lang="en-US" altLang="en-US" u="sng" dirty="0"/>
+          </a:p>
+          <a:p>
+            <a:r>
+              <a:rPr lang="en-US" altLang="en-US" u="sng" dirty="0"/>
               <a:t>Stub</a:t>
             </a:r>
             <a:r>
-              <a:rPr lang="en-US" altLang="en-US"/>
+              <a:rPr lang="en-US" altLang="en-US" dirty="0"/>
               <a:t>: A dummy function used in place of an actual function</a:t>
             </a:r>
           </a:p>
           <a:p>
-            <a:pPr lvl="1">
-              <a:lnSpc>
-                <a:spcPct val="90000"/>
-              </a:lnSpc>
-            </a:pPr>
-            <a:r>
-              <a:rPr lang="en-US" altLang="en-US"/>
+            <a:pPr lvl="1"/>
+            <a:r>
+              <a:rPr lang="en-US" altLang="en-US" dirty="0"/>
               <a:t>Usually displays a message indicating it was called.  May also display parameters</a:t>
             </a:r>
           </a:p>
           <a:p>
-            <a:pPr>
-              <a:lnSpc>
-                <a:spcPct val="90000"/>
-              </a:lnSpc>
-              <a:buFontTx/>
-              <a:buChar char="•"/>
-            </a:pPr>
-            <a:r>
-              <a:rPr lang="en-US" altLang="en-US" u="sng"/>
+            <a:r>
+              <a:rPr lang="en-US" altLang="en-US" u="sng" dirty="0"/>
               <a:t>Driver</a:t>
             </a:r>
             <a:r>
-              <a:rPr lang="en-US" altLang="en-US"/>
+              <a:rPr lang="en-US" altLang="en-US" dirty="0"/>
               <a:t>: A function that tests another function by calling it</a:t>
             </a:r>
-            <a:endParaRPr lang="en-US" altLang="en-US" u="sng"/>
-          </a:p>
-          <a:p>
-            <a:pPr lvl="1">
-              <a:lnSpc>
-                <a:spcPct val="90000"/>
-              </a:lnSpc>
-            </a:pPr>
-            <a:r>
-              <a:rPr lang="en-US" altLang="en-US"/>
+            <a:endParaRPr lang="en-US" altLang="en-US" u="sng" dirty="0"/>
+          </a:p>
+          <a:p>
+            <a:pPr lvl="1"/>
+            <a:r>
+              <a:rPr lang="en-US" altLang="en-US" dirty="0"/>
               <a:t>Various arguments are passed and return values are tested</a:t>
             </a:r>
           </a:p>
